--- a/CD/Bottm Up.pptx
+++ b/CD/Bottm Up.pptx
@@ -2,26 +2,26 @@
 <file path=ppt/presentation.xml><?xml version="1.0" encoding="utf-8"?>
 <p:presentation xmlns:a="http://schemas.openxmlformats.org/drawingml/2006/main" xmlns:r="http://schemas.openxmlformats.org/officeDocument/2006/relationships" xmlns:p="http://schemas.openxmlformats.org/presentationml/2006/main" saveSubsetFonts="1">
   <p:sldMasterIdLst>
-    <p:sldMasterId id="2147483768" r:id="rId1"/>
+    <p:sldMasterId id="2147483768" r:id="rId4"/>
   </p:sldMasterIdLst>
   <p:notesMasterIdLst>
-    <p:notesMasterId r:id="rId16"/>
+    <p:notesMasterId r:id="rId19"/>
   </p:notesMasterIdLst>
   <p:sldIdLst>
-    <p:sldId id="256" r:id="rId2"/>
-    <p:sldId id="269" r:id="rId3"/>
-    <p:sldId id="268" r:id="rId4"/>
-    <p:sldId id="257" r:id="rId5"/>
-    <p:sldId id="258" r:id="rId6"/>
-    <p:sldId id="259" r:id="rId7"/>
-    <p:sldId id="260" r:id="rId8"/>
-    <p:sldId id="261" r:id="rId9"/>
-    <p:sldId id="262" r:id="rId10"/>
-    <p:sldId id="263" r:id="rId11"/>
-    <p:sldId id="264" r:id="rId12"/>
-    <p:sldId id="265" r:id="rId13"/>
-    <p:sldId id="266" r:id="rId14"/>
-    <p:sldId id="267" r:id="rId15"/>
+    <p:sldId id="256" r:id="rId5"/>
+    <p:sldId id="269" r:id="rId6"/>
+    <p:sldId id="268" r:id="rId7"/>
+    <p:sldId id="257" r:id="rId8"/>
+    <p:sldId id="258" r:id="rId9"/>
+    <p:sldId id="259" r:id="rId10"/>
+    <p:sldId id="260" r:id="rId11"/>
+    <p:sldId id="261" r:id="rId12"/>
+    <p:sldId id="262" r:id="rId13"/>
+    <p:sldId id="263" r:id="rId14"/>
+    <p:sldId id="264" r:id="rId15"/>
+    <p:sldId id="265" r:id="rId16"/>
+    <p:sldId id="266" r:id="rId17"/>
+    <p:sldId id="267" r:id="rId18"/>
   </p:sldIdLst>
   <p:sldSz cx="9144000" cy="6858000" type="screen4x3"/>
   <p:notesSz cx="6858000" cy="9144000"/>
@@ -120,6 +120,22 @@
       </a:defRPr>
     </a:lvl9pPr>
   </p:defaultTextStyle>
+  <p:extLst>
+    <p:ext uri="{EFAFB233-063F-42B5-8137-9DF3F51BA10A}">
+      <p15:sldGuideLst xmlns:p15="http://schemas.microsoft.com/office/powerpoint/2012/main">
+        <p15:guide id="1" orient="horz" pos="2160">
+          <p15:clr>
+            <a:srgbClr val="A4A3A4"/>
+          </p15:clr>
+        </p15:guide>
+        <p15:guide id="2" pos="2880">
+          <p15:clr>
+            <a:srgbClr val="A4A3A4"/>
+          </p15:clr>
+        </p15:guide>
+      </p15:sldGuideLst>
+    </p:ext>
+  </p:extLst>
 </p:presentation>
 </file>
 
@@ -206,7 +222,7 @@
             <a:fld id="{6C93580E-8024-4337-9D84-DB194AE0B994}" type="datetimeFigureOut">
               <a:rPr lang="en-US" smtClean="0"/>
               <a:pPr/>
-              <a:t>9/24/2020</a:t>
+              <a:t>10/2/2020</a:t>
             </a:fld>
             <a:endParaRPr lang="en-US"/>
           </a:p>
@@ -270,38 +286,37 @@
           <a:p>
             <a:pPr lvl="0"/>
             <a:r>
-              <a:rPr lang="en-US" smtClean="0"/>
+              <a:rPr lang="en-US"/>
               <a:t>Click to edit Master text styles</a:t>
             </a:r>
           </a:p>
           <a:p>
             <a:pPr lvl="1"/>
             <a:r>
-              <a:rPr lang="en-US" smtClean="0"/>
+              <a:rPr lang="en-US"/>
               <a:t>Second level</a:t>
             </a:r>
           </a:p>
           <a:p>
             <a:pPr lvl="2"/>
             <a:r>
-              <a:rPr lang="en-US" smtClean="0"/>
+              <a:rPr lang="en-US"/>
               <a:t>Third level</a:t>
             </a:r>
           </a:p>
           <a:p>
             <a:pPr lvl="3"/>
             <a:r>
-              <a:rPr lang="en-US" smtClean="0"/>
+              <a:rPr lang="en-US"/>
               <a:t>Fourth level</a:t>
             </a:r>
           </a:p>
           <a:p>
             <a:pPr lvl="4"/>
             <a:r>
-              <a:rPr lang="en-US" smtClean="0"/>
+              <a:rPr lang="en-US"/>
               <a:t>Fifth level</a:t>
             </a:r>
-            <a:endParaRPr lang="en-US"/>
           </a:p>
         </p:txBody>
       </p:sp>
@@ -375,7 +390,7 @@
     </p:spTree>
     <p:extLst>
       <p:ext uri="{BB962C8B-B14F-4D97-AF65-F5344CB8AC3E}">
-        <p14:creationId xmlns:p14="http://schemas.microsoft.com/office/powerpoint/2010/main" xmlns="" val="2316502068"/>
+        <p14:creationId xmlns:p14="http://schemas.microsoft.com/office/powerpoint/2010/main" val="2316502068"/>
       </p:ext>
     </p:extLst>
   </p:cSld>
@@ -550,7 +565,7 @@
     </p:spTree>
     <p:extLst>
       <p:ext uri="{BB962C8B-B14F-4D97-AF65-F5344CB8AC3E}">
-        <p14:creationId xmlns:p14="http://schemas.microsoft.com/office/powerpoint/2010/main" xmlns="" val="3559420020"/>
+        <p14:creationId xmlns:p14="http://schemas.microsoft.com/office/powerpoint/2010/main" val="3559420020"/>
       </p:ext>
     </p:extLst>
   </p:cSld>
@@ -1128,10 +1143,9 @@
           </a:lstStyle>
           <a:p>
             <a:r>
-              <a:rPr kumimoji="0" lang="en-US" smtClean="0"/>
+              <a:rPr kumimoji="0" lang="en-US"/>
               <a:t>Click to edit Master title style</a:t>
             </a:r>
-            <a:endParaRPr kumimoji="0" lang="en-US"/>
           </a:p>
         </p:txBody>
       </p:sp>
@@ -1189,10 +1203,9 @@
           </a:lstStyle>
           <a:p>
             <a:r>
-              <a:rPr kumimoji="0" lang="en-US" smtClean="0"/>
+              <a:rPr kumimoji="0" lang="en-US"/>
               <a:t>Click to edit Master subtitle style</a:t>
             </a:r>
-            <a:endParaRPr kumimoji="0" lang="en-US"/>
           </a:p>
         </p:txBody>
       </p:sp>
@@ -1219,7 +1232,7 @@
             <a:fld id="{1D8BD707-D9CF-40AE-B4C6-C98DA3205C09}" type="datetimeFigureOut">
               <a:rPr lang="en-US" smtClean="0"/>
               <a:pPr/>
-              <a:t>9/24/2020</a:t>
+              <a:t>10/2/2020</a:t>
             </a:fld>
             <a:endParaRPr lang="en-US"/>
           </a:p>
@@ -1327,10 +1340,9 @@
           <a:lstStyle/>
           <a:p>
             <a:r>
-              <a:rPr kumimoji="0" lang="en-US" smtClean="0"/>
+              <a:rPr kumimoji="0" lang="en-US"/>
               <a:t>Click to edit Master title style</a:t>
             </a:r>
-            <a:endParaRPr kumimoji="0" lang="en-US"/>
           </a:p>
         </p:txBody>
       </p:sp>
@@ -1351,35 +1363,35 @@
           <a:p>
             <a:pPr lvl="0" eaLnBrk="1" latinLnBrk="0" hangingPunct="1"/>
             <a:r>
-              <a:rPr lang="en-US" smtClean="0"/>
+              <a:rPr lang="en-US"/>
               <a:t>Click to edit Master text styles</a:t>
             </a:r>
           </a:p>
           <a:p>
             <a:pPr lvl="1" eaLnBrk="1" latinLnBrk="0" hangingPunct="1"/>
             <a:r>
-              <a:rPr lang="en-US" smtClean="0"/>
+              <a:rPr lang="en-US"/>
               <a:t>Second level</a:t>
             </a:r>
           </a:p>
           <a:p>
             <a:pPr lvl="2" eaLnBrk="1" latinLnBrk="0" hangingPunct="1"/>
             <a:r>
-              <a:rPr lang="en-US" smtClean="0"/>
+              <a:rPr lang="en-US"/>
               <a:t>Third level</a:t>
             </a:r>
           </a:p>
           <a:p>
             <a:pPr lvl="3" eaLnBrk="1" latinLnBrk="0" hangingPunct="1"/>
             <a:r>
-              <a:rPr lang="en-US" smtClean="0"/>
+              <a:rPr lang="en-US"/>
               <a:t>Fourth level</a:t>
             </a:r>
           </a:p>
           <a:p>
             <a:pPr lvl="4" eaLnBrk="1" latinLnBrk="0" hangingPunct="1"/>
             <a:r>
-              <a:rPr lang="en-US" smtClean="0"/>
+              <a:rPr lang="en-US"/>
               <a:t>Fifth level</a:t>
             </a:r>
             <a:endParaRPr kumimoji="0" lang="en-US"/>
@@ -1404,7 +1416,7 @@
             <a:fld id="{1D8BD707-D9CF-40AE-B4C6-C98DA3205C09}" type="datetimeFigureOut">
               <a:rPr lang="en-US" smtClean="0"/>
               <a:pPr/>
-              <a:t>9/24/2020</a:t>
+              <a:t>10/2/2020</a:t>
             </a:fld>
             <a:endParaRPr lang="en-US"/>
           </a:p>
@@ -1499,10 +1511,9 @@
           <a:lstStyle/>
           <a:p>
             <a:r>
-              <a:rPr kumimoji="0" lang="en-US" smtClean="0"/>
+              <a:rPr kumimoji="0" lang="en-US"/>
               <a:t>Click to edit Master title style</a:t>
             </a:r>
-            <a:endParaRPr kumimoji="0" lang="en-US"/>
           </a:p>
         </p:txBody>
       </p:sp>
@@ -1528,35 +1539,35 @@
           <a:p>
             <a:pPr lvl="0" eaLnBrk="1" latinLnBrk="0" hangingPunct="1"/>
             <a:r>
-              <a:rPr lang="en-US" smtClean="0"/>
+              <a:rPr lang="en-US"/>
               <a:t>Click to edit Master text styles</a:t>
             </a:r>
           </a:p>
           <a:p>
             <a:pPr lvl="1" eaLnBrk="1" latinLnBrk="0" hangingPunct="1"/>
             <a:r>
-              <a:rPr lang="en-US" smtClean="0"/>
+              <a:rPr lang="en-US"/>
               <a:t>Second level</a:t>
             </a:r>
           </a:p>
           <a:p>
             <a:pPr lvl="2" eaLnBrk="1" latinLnBrk="0" hangingPunct="1"/>
             <a:r>
-              <a:rPr lang="en-US" smtClean="0"/>
+              <a:rPr lang="en-US"/>
               <a:t>Third level</a:t>
             </a:r>
           </a:p>
           <a:p>
             <a:pPr lvl="3" eaLnBrk="1" latinLnBrk="0" hangingPunct="1"/>
             <a:r>
-              <a:rPr lang="en-US" smtClean="0"/>
+              <a:rPr lang="en-US"/>
               <a:t>Fourth level</a:t>
             </a:r>
           </a:p>
           <a:p>
             <a:pPr lvl="4" eaLnBrk="1" latinLnBrk="0" hangingPunct="1"/>
             <a:r>
-              <a:rPr lang="en-US" smtClean="0"/>
+              <a:rPr lang="en-US"/>
               <a:t>Fifth level</a:t>
             </a:r>
             <a:endParaRPr kumimoji="0" lang="en-US"/>
@@ -1581,7 +1592,7 @@
             <a:fld id="{1D8BD707-D9CF-40AE-B4C6-C98DA3205C09}" type="datetimeFigureOut">
               <a:rPr lang="en-US" smtClean="0"/>
               <a:pPr/>
-              <a:t>9/24/2020</a:t>
+              <a:t>10/2/2020</a:t>
             </a:fld>
             <a:endParaRPr lang="en-US"/>
           </a:p>
@@ -1671,10 +1682,9 @@
           <a:lstStyle/>
           <a:p>
             <a:r>
-              <a:rPr kumimoji="0" lang="en-US" smtClean="0"/>
+              <a:rPr kumimoji="0" lang="en-US"/>
               <a:t>Click to edit Master title style</a:t>
             </a:r>
-            <a:endParaRPr kumimoji="0" lang="en-US"/>
           </a:p>
         </p:txBody>
       </p:sp>
@@ -1695,35 +1705,35 @@
           <a:p>
             <a:pPr lvl="0" eaLnBrk="1" latinLnBrk="0" hangingPunct="1"/>
             <a:r>
-              <a:rPr lang="en-US" smtClean="0"/>
+              <a:rPr lang="en-US"/>
               <a:t>Click to edit Master text styles</a:t>
             </a:r>
           </a:p>
           <a:p>
             <a:pPr lvl="1" eaLnBrk="1" latinLnBrk="0" hangingPunct="1"/>
             <a:r>
-              <a:rPr lang="en-US" smtClean="0"/>
+              <a:rPr lang="en-US"/>
               <a:t>Second level</a:t>
             </a:r>
           </a:p>
           <a:p>
             <a:pPr lvl="2" eaLnBrk="1" latinLnBrk="0" hangingPunct="1"/>
             <a:r>
-              <a:rPr lang="en-US" smtClean="0"/>
+              <a:rPr lang="en-US"/>
               <a:t>Third level</a:t>
             </a:r>
           </a:p>
           <a:p>
             <a:pPr lvl="3" eaLnBrk="1" latinLnBrk="0" hangingPunct="1"/>
             <a:r>
-              <a:rPr lang="en-US" smtClean="0"/>
+              <a:rPr lang="en-US"/>
               <a:t>Fourth level</a:t>
             </a:r>
           </a:p>
           <a:p>
             <a:pPr lvl="4" eaLnBrk="1" latinLnBrk="0" hangingPunct="1"/>
             <a:r>
-              <a:rPr lang="en-US" smtClean="0"/>
+              <a:rPr lang="en-US"/>
               <a:t>Fifth level</a:t>
             </a:r>
             <a:endParaRPr kumimoji="0" lang="en-US"/>
@@ -1748,7 +1758,7 @@
             <a:fld id="{1D8BD707-D9CF-40AE-B4C6-C98DA3205C09}" type="datetimeFigureOut">
               <a:rPr lang="en-US" smtClean="0"/>
               <a:pPr/>
-              <a:t>9/24/2020</a:t>
+              <a:t>10/2/2020</a:t>
             </a:fld>
             <a:endParaRPr lang="en-US"/>
           </a:p>
@@ -1869,10 +1879,9 @@
           </a:lstStyle>
           <a:p>
             <a:r>
-              <a:rPr kumimoji="0" lang="en-US" smtClean="0"/>
+              <a:rPr kumimoji="0" lang="en-US"/>
               <a:t>Click to edit Master title style</a:t>
             </a:r>
-            <a:endParaRPr kumimoji="0" lang="en-US"/>
           </a:p>
         </p:txBody>
       </p:sp>
@@ -1947,7 +1956,7 @@
           <a:p>
             <a:pPr lvl="0" eaLnBrk="1" latinLnBrk="0" hangingPunct="1"/>
             <a:r>
-              <a:rPr kumimoji="0" lang="en-US" smtClean="0"/>
+              <a:rPr kumimoji="0" lang="en-US"/>
               <a:t>Click to edit Master text styles</a:t>
             </a:r>
           </a:p>
@@ -1971,7 +1980,7 @@
             <a:fld id="{1D8BD707-D9CF-40AE-B4C6-C98DA3205C09}" type="datetimeFigureOut">
               <a:rPr lang="en-US" smtClean="0"/>
               <a:pPr/>
-              <a:t>9/24/2020</a:t>
+              <a:t>10/2/2020</a:t>
             </a:fld>
             <a:endParaRPr lang="en-US"/>
           </a:p>
@@ -2061,10 +2070,9 @@
           <a:lstStyle/>
           <a:p>
             <a:r>
-              <a:rPr kumimoji="0" lang="en-US" smtClean="0"/>
+              <a:rPr kumimoji="0" lang="en-US"/>
               <a:t>Click to edit Master title style</a:t>
             </a:r>
-            <a:endParaRPr kumimoji="0" lang="en-US"/>
           </a:p>
         </p:txBody>
       </p:sp>
@@ -2106,35 +2114,35 @@
           <a:p>
             <a:pPr lvl="0" eaLnBrk="1" latinLnBrk="0" hangingPunct="1"/>
             <a:r>
-              <a:rPr lang="en-US" smtClean="0"/>
+              <a:rPr lang="en-US"/>
               <a:t>Click to edit Master text styles</a:t>
             </a:r>
           </a:p>
           <a:p>
             <a:pPr lvl="1" eaLnBrk="1" latinLnBrk="0" hangingPunct="1"/>
             <a:r>
-              <a:rPr lang="en-US" smtClean="0"/>
+              <a:rPr lang="en-US"/>
               <a:t>Second level</a:t>
             </a:r>
           </a:p>
           <a:p>
             <a:pPr lvl="2" eaLnBrk="1" latinLnBrk="0" hangingPunct="1"/>
             <a:r>
-              <a:rPr lang="en-US" smtClean="0"/>
+              <a:rPr lang="en-US"/>
               <a:t>Third level</a:t>
             </a:r>
           </a:p>
           <a:p>
             <a:pPr lvl="3" eaLnBrk="1" latinLnBrk="0" hangingPunct="1"/>
             <a:r>
-              <a:rPr lang="en-US" smtClean="0"/>
+              <a:rPr lang="en-US"/>
               <a:t>Fourth level</a:t>
             </a:r>
           </a:p>
           <a:p>
             <a:pPr lvl="4" eaLnBrk="1" latinLnBrk="0" hangingPunct="1"/>
             <a:r>
-              <a:rPr lang="en-US" smtClean="0"/>
+              <a:rPr lang="en-US"/>
               <a:t>Fifth level</a:t>
             </a:r>
             <a:endParaRPr kumimoji="0" lang="en-US"/>
@@ -2179,35 +2187,35 @@
           <a:p>
             <a:pPr lvl="0" eaLnBrk="1" latinLnBrk="0" hangingPunct="1"/>
             <a:r>
-              <a:rPr lang="en-US" smtClean="0"/>
+              <a:rPr lang="en-US"/>
               <a:t>Click to edit Master text styles</a:t>
             </a:r>
           </a:p>
           <a:p>
             <a:pPr lvl="1" eaLnBrk="1" latinLnBrk="0" hangingPunct="1"/>
             <a:r>
-              <a:rPr lang="en-US" smtClean="0"/>
+              <a:rPr lang="en-US"/>
               <a:t>Second level</a:t>
             </a:r>
           </a:p>
           <a:p>
             <a:pPr lvl="2" eaLnBrk="1" latinLnBrk="0" hangingPunct="1"/>
             <a:r>
-              <a:rPr lang="en-US" smtClean="0"/>
+              <a:rPr lang="en-US"/>
               <a:t>Third level</a:t>
             </a:r>
           </a:p>
           <a:p>
             <a:pPr lvl="3" eaLnBrk="1" latinLnBrk="0" hangingPunct="1"/>
             <a:r>
-              <a:rPr lang="en-US" smtClean="0"/>
+              <a:rPr lang="en-US"/>
               <a:t>Fourth level</a:t>
             </a:r>
           </a:p>
           <a:p>
             <a:pPr lvl="4" eaLnBrk="1" latinLnBrk="0" hangingPunct="1"/>
             <a:r>
-              <a:rPr lang="en-US" smtClean="0"/>
+              <a:rPr lang="en-US"/>
               <a:t>Fifth level</a:t>
             </a:r>
             <a:endParaRPr kumimoji="0" lang="en-US"/>
@@ -2232,7 +2240,7 @@
             <a:fld id="{1D8BD707-D9CF-40AE-B4C6-C98DA3205C09}" type="datetimeFigureOut">
               <a:rPr lang="en-US" smtClean="0"/>
               <a:pPr/>
-              <a:t>9/24/2020</a:t>
+              <a:t>10/2/2020</a:t>
             </a:fld>
             <a:endParaRPr lang="en-US"/>
           </a:p>
@@ -2331,10 +2339,9 @@
           </a:lstStyle>
           <a:p>
             <a:r>
-              <a:rPr kumimoji="0" lang="en-US" smtClean="0"/>
+              <a:rPr kumimoji="0" lang="en-US"/>
               <a:t>Click to edit Master title style</a:t>
             </a:r>
-            <a:endParaRPr kumimoji="0" lang="en-US"/>
           </a:p>
         </p:txBody>
       </p:sp>
@@ -2400,7 +2407,7 @@
           <a:p>
             <a:pPr lvl="0" eaLnBrk="1" latinLnBrk="0" hangingPunct="1"/>
             <a:r>
-              <a:rPr kumimoji="0" lang="en-US" smtClean="0"/>
+              <a:rPr kumimoji="0" lang="en-US"/>
               <a:t>Click to edit Master text styles</a:t>
             </a:r>
           </a:p>
@@ -2468,7 +2475,7 @@
           <a:p>
             <a:pPr lvl="0" eaLnBrk="1" latinLnBrk="0" hangingPunct="1"/>
             <a:r>
-              <a:rPr kumimoji="0" lang="en-US" smtClean="0"/>
+              <a:rPr kumimoji="0" lang="en-US"/>
               <a:t>Click to edit Master text styles</a:t>
             </a:r>
           </a:p>
@@ -2512,35 +2519,35 @@
           <a:p>
             <a:pPr lvl="0" eaLnBrk="1" latinLnBrk="0" hangingPunct="1"/>
             <a:r>
-              <a:rPr lang="en-US" smtClean="0"/>
+              <a:rPr lang="en-US"/>
               <a:t>Click to edit Master text styles</a:t>
             </a:r>
           </a:p>
           <a:p>
             <a:pPr lvl="1" eaLnBrk="1" latinLnBrk="0" hangingPunct="1"/>
             <a:r>
-              <a:rPr lang="en-US" smtClean="0"/>
+              <a:rPr lang="en-US"/>
               <a:t>Second level</a:t>
             </a:r>
           </a:p>
           <a:p>
             <a:pPr lvl="2" eaLnBrk="1" latinLnBrk="0" hangingPunct="1"/>
             <a:r>
-              <a:rPr lang="en-US" smtClean="0"/>
+              <a:rPr lang="en-US"/>
               <a:t>Third level</a:t>
             </a:r>
           </a:p>
           <a:p>
             <a:pPr lvl="3" eaLnBrk="1" latinLnBrk="0" hangingPunct="1"/>
             <a:r>
-              <a:rPr lang="en-US" smtClean="0"/>
+              <a:rPr lang="en-US"/>
               <a:t>Fourth level</a:t>
             </a:r>
           </a:p>
           <a:p>
             <a:pPr lvl="4" eaLnBrk="1" latinLnBrk="0" hangingPunct="1"/>
             <a:r>
-              <a:rPr lang="en-US" smtClean="0"/>
+              <a:rPr lang="en-US"/>
               <a:t>Fifth level</a:t>
             </a:r>
             <a:endParaRPr kumimoji="0" lang="en-US"/>
@@ -2585,35 +2592,35 @@
           <a:p>
             <a:pPr lvl="0" eaLnBrk="1" latinLnBrk="0" hangingPunct="1"/>
             <a:r>
-              <a:rPr lang="en-US" smtClean="0"/>
+              <a:rPr lang="en-US"/>
               <a:t>Click to edit Master text styles</a:t>
             </a:r>
           </a:p>
           <a:p>
             <a:pPr lvl="1" eaLnBrk="1" latinLnBrk="0" hangingPunct="1"/>
             <a:r>
-              <a:rPr lang="en-US" smtClean="0"/>
+              <a:rPr lang="en-US"/>
               <a:t>Second level</a:t>
             </a:r>
           </a:p>
           <a:p>
             <a:pPr lvl="2" eaLnBrk="1" latinLnBrk="0" hangingPunct="1"/>
             <a:r>
-              <a:rPr lang="en-US" smtClean="0"/>
+              <a:rPr lang="en-US"/>
               <a:t>Third level</a:t>
             </a:r>
           </a:p>
           <a:p>
             <a:pPr lvl="3" eaLnBrk="1" latinLnBrk="0" hangingPunct="1"/>
             <a:r>
-              <a:rPr lang="en-US" smtClean="0"/>
+              <a:rPr lang="en-US"/>
               <a:t>Fourth level</a:t>
             </a:r>
           </a:p>
           <a:p>
             <a:pPr lvl="4" eaLnBrk="1" latinLnBrk="0" hangingPunct="1"/>
             <a:r>
-              <a:rPr lang="en-US" smtClean="0"/>
+              <a:rPr lang="en-US"/>
               <a:t>Fifth level</a:t>
             </a:r>
             <a:endParaRPr kumimoji="0" lang="en-US"/>
@@ -2638,7 +2645,7 @@
             <a:fld id="{1D8BD707-D9CF-40AE-B4C6-C98DA3205C09}" type="datetimeFigureOut">
               <a:rPr lang="en-US" smtClean="0"/>
               <a:pPr/>
-              <a:t>9/24/2020</a:t>
+              <a:t>10/2/2020</a:t>
             </a:fld>
             <a:endParaRPr lang="en-US"/>
           </a:p>
@@ -2741,10 +2748,9 @@
           </a:lstStyle>
           <a:p>
             <a:r>
-              <a:rPr kumimoji="0" lang="en-US" smtClean="0"/>
+              <a:rPr kumimoji="0" lang="en-US"/>
               <a:t>Click to edit Master title style</a:t>
             </a:r>
-            <a:endParaRPr kumimoji="0" lang="en-US"/>
           </a:p>
         </p:txBody>
       </p:sp>
@@ -2771,7 +2777,7 @@
             <a:fld id="{1D8BD707-D9CF-40AE-B4C6-C98DA3205C09}" type="datetimeFigureOut">
               <a:rPr lang="en-US" smtClean="0"/>
               <a:pPr/>
-              <a:t>9/24/2020</a:t>
+              <a:t>10/2/2020</a:t>
             </a:fld>
             <a:endParaRPr lang="en-US"/>
           </a:p>
@@ -2873,7 +2879,7 @@
             <a:fld id="{1D8BD707-D9CF-40AE-B4C6-C98DA3205C09}" type="datetimeFigureOut">
               <a:rPr lang="en-US" smtClean="0"/>
               <a:pPr/>
-              <a:t>9/24/2020</a:t>
+              <a:t>10/2/2020</a:t>
             </a:fld>
             <a:endParaRPr lang="en-US"/>
           </a:p>
@@ -2973,10 +2979,9 @@
           </a:lstStyle>
           <a:p>
             <a:r>
-              <a:rPr kumimoji="0" lang="en-US" smtClean="0"/>
+              <a:rPr kumimoji="0" lang="en-US"/>
               <a:t>Click to edit Master title style</a:t>
             </a:r>
-            <a:endParaRPr kumimoji="0" lang="en-US"/>
           </a:p>
         </p:txBody>
       </p:sp>
@@ -3023,7 +3028,7 @@
           <a:p>
             <a:pPr lvl="0" eaLnBrk="1" latinLnBrk="0" hangingPunct="1"/>
             <a:r>
-              <a:rPr kumimoji="0" lang="en-US" smtClean="0"/>
+              <a:rPr kumimoji="0" lang="en-US"/>
               <a:t>Click to edit Master text styles</a:t>
             </a:r>
           </a:p>
@@ -3067,35 +3072,35 @@
           <a:p>
             <a:pPr lvl="0" eaLnBrk="1" latinLnBrk="0" hangingPunct="1"/>
             <a:r>
-              <a:rPr lang="en-US" smtClean="0"/>
+              <a:rPr lang="en-US"/>
               <a:t>Click to edit Master text styles</a:t>
             </a:r>
           </a:p>
           <a:p>
             <a:pPr lvl="1" eaLnBrk="1" latinLnBrk="0" hangingPunct="1"/>
             <a:r>
-              <a:rPr lang="en-US" smtClean="0"/>
+              <a:rPr lang="en-US"/>
               <a:t>Second level</a:t>
             </a:r>
           </a:p>
           <a:p>
             <a:pPr lvl="2" eaLnBrk="1" latinLnBrk="0" hangingPunct="1"/>
             <a:r>
-              <a:rPr lang="en-US" smtClean="0"/>
+              <a:rPr lang="en-US"/>
               <a:t>Third level</a:t>
             </a:r>
           </a:p>
           <a:p>
             <a:pPr lvl="3" eaLnBrk="1" latinLnBrk="0" hangingPunct="1"/>
             <a:r>
-              <a:rPr lang="en-US" smtClean="0"/>
+              <a:rPr lang="en-US"/>
               <a:t>Fourth level</a:t>
             </a:r>
           </a:p>
           <a:p>
             <a:pPr lvl="4" eaLnBrk="1" latinLnBrk="0" hangingPunct="1"/>
             <a:r>
-              <a:rPr lang="en-US" smtClean="0"/>
+              <a:rPr lang="en-US"/>
               <a:t>Fifth level</a:t>
             </a:r>
             <a:endParaRPr kumimoji="0" lang="en-US"/>
@@ -3120,7 +3125,7 @@
             <a:fld id="{1D8BD707-D9CF-40AE-B4C6-C98DA3205C09}" type="datetimeFigureOut">
               <a:rPr lang="en-US" smtClean="0"/>
               <a:pPr/>
-              <a:t>9/24/2020</a:t>
+              <a:t>10/2/2020</a:t>
             </a:fld>
             <a:endParaRPr lang="en-US"/>
           </a:p>
@@ -3220,10 +3225,9 @@
           </a:lstStyle>
           <a:p>
             <a:r>
-              <a:rPr kumimoji="0" lang="en-US" smtClean="0"/>
+              <a:rPr kumimoji="0" lang="en-US"/>
               <a:t>Click to edit Master title style</a:t>
             </a:r>
-            <a:endParaRPr kumimoji="0" lang="en-US"/>
           </a:p>
         </p:txBody>
       </p:sp>
@@ -3281,7 +3285,7 @@
           </a:lstStyle>
           <a:p>
             <a:r>
-              <a:rPr kumimoji="0" lang="en-US" smtClean="0"/>
+              <a:rPr kumimoji="0" lang="en-US"/>
               <a:t>Click icon to add picture</a:t>
             </a:r>
             <a:endParaRPr kumimoji="0" lang="en-US" dirty="0"/>
@@ -3342,7 +3346,7 @@
           <a:p>
             <a:pPr lvl="0" eaLnBrk="1" latinLnBrk="0" hangingPunct="1"/>
             <a:r>
-              <a:rPr kumimoji="0" lang="en-US" smtClean="0"/>
+              <a:rPr kumimoji="0" lang="en-US"/>
               <a:t>Click to edit Master text styles</a:t>
             </a:r>
           </a:p>
@@ -3366,7 +3370,7 @@
             <a:fld id="{1D8BD707-D9CF-40AE-B4C6-C98DA3205C09}" type="datetimeFigureOut">
               <a:rPr lang="en-US" smtClean="0"/>
               <a:pPr/>
-              <a:t>9/24/2020</a:t>
+              <a:t>10/2/2020</a:t>
             </a:fld>
             <a:endParaRPr lang="en-US"/>
           </a:p>
@@ -4089,10 +4093,9 @@
           <a:lstStyle/>
           <a:p>
             <a:r>
-              <a:rPr kumimoji="0" lang="en-US" smtClean="0"/>
+              <a:rPr kumimoji="0" lang="en-US"/>
               <a:t>Click to edit Master title style</a:t>
             </a:r>
-            <a:endParaRPr kumimoji="0" lang="en-US"/>
           </a:p>
         </p:txBody>
       </p:sp>
@@ -4123,38 +4126,37 @@
           <a:p>
             <a:pPr lvl="0" eaLnBrk="1" latinLnBrk="0" hangingPunct="1"/>
             <a:r>
-              <a:rPr kumimoji="0" lang="en-US" smtClean="0"/>
+              <a:rPr kumimoji="0" lang="en-US"/>
               <a:t>Click to edit Master text styles</a:t>
             </a:r>
           </a:p>
           <a:p>
             <a:pPr lvl="1" eaLnBrk="1" latinLnBrk="0" hangingPunct="1"/>
             <a:r>
-              <a:rPr kumimoji="0" lang="en-US" smtClean="0"/>
+              <a:rPr kumimoji="0" lang="en-US"/>
               <a:t>Second level</a:t>
             </a:r>
           </a:p>
           <a:p>
             <a:pPr lvl="2" eaLnBrk="1" latinLnBrk="0" hangingPunct="1"/>
             <a:r>
-              <a:rPr kumimoji="0" lang="en-US" smtClean="0"/>
+              <a:rPr kumimoji="0" lang="en-US"/>
               <a:t>Third level</a:t>
             </a:r>
           </a:p>
           <a:p>
             <a:pPr lvl="3" eaLnBrk="1" latinLnBrk="0" hangingPunct="1"/>
             <a:r>
-              <a:rPr kumimoji="0" lang="en-US" smtClean="0"/>
+              <a:rPr kumimoji="0" lang="en-US"/>
               <a:t>Fourth level</a:t>
             </a:r>
           </a:p>
           <a:p>
             <a:pPr lvl="4" eaLnBrk="1" latinLnBrk="0" hangingPunct="1"/>
             <a:r>
-              <a:rPr kumimoji="0" lang="en-US" smtClean="0"/>
+              <a:rPr kumimoji="0" lang="en-US"/>
               <a:t>Fifth level</a:t>
             </a:r>
-            <a:endParaRPr kumimoji="0" lang="en-US"/>
           </a:p>
         </p:txBody>
       </p:sp>
@@ -4192,7 +4194,7 @@
             <a:fld id="{1D8BD707-D9CF-40AE-B4C6-C98DA3205C09}" type="datetimeFigureOut">
               <a:rPr lang="en-US" smtClean="0"/>
               <a:pPr/>
-              <a:t>9/24/2020</a:t>
+              <a:t>10/2/2020</a:t>
             </a:fld>
             <a:endParaRPr lang="en-US"/>
           </a:p>
@@ -4601,38 +4603,22 @@
           <a:lstStyle/>
           <a:p>
             <a:r>
-              <a:rPr lang="en-US" dirty="0" smtClean="0"/>
+              <a:rPr lang="en-US" dirty="0"/>
               <a:t>BOTTOM-UP PARSING</a:t>
             </a:r>
-            <a:endParaRPr lang="en-US" dirty="0"/>
           </a:p>
         </p:txBody>
       </p:sp>
     </p:spTree>
     <p:extLst>
       <p:ext uri="{BB962C8B-B14F-4D97-AF65-F5344CB8AC3E}">
-        <p14:creationId xmlns:p14="http://schemas.microsoft.com/office/powerpoint/2010/main" xmlns="" val="1605734379"/>
+        <p14:creationId xmlns:p14="http://schemas.microsoft.com/office/powerpoint/2010/main" val="1605734379"/>
       </p:ext>
     </p:extLst>
   </p:cSld>
   <p:clrMapOvr>
     <a:masterClrMapping/>
   </p:clrMapOvr>
-  <mc:AlternateContent xmlns:mc="http://schemas.openxmlformats.org/markup-compatibility/2006">
-    <mc:Choice xmlns:p14="http://schemas.microsoft.com/office/powerpoint/2010/main" xmlns="" Requires="p14">
-      <p:transition spd="slow" p14:dur="2000"/>
-    </mc:Choice>
-    <mc:Fallback>
-      <p:transition spd="slow"/>
-    </mc:Fallback>
-  </mc:AlternateContent>
-  <p:timing>
-    <p:tnLst>
-      <p:par>
-        <p:cTn id="1" dur="indefinite" restart="never" nodeType="tmRoot"/>
-      </p:par>
-    </p:tnLst>
-  </p:timing>
 </p:sld>
 </file>
 
@@ -4677,10 +4663,9 @@
           <a:p>
             <a:pPr algn="ctr"/>
             <a:r>
-              <a:rPr lang="en-US" sz="3200" dirty="0" smtClean="0"/>
+              <a:rPr lang="en-US" sz="3200" dirty="0"/>
               <a:t>Handle Pruning</a:t>
             </a:r>
-            <a:endParaRPr lang="en-US" sz="3200" dirty="0"/>
           </a:p>
         </p:txBody>
       </p:sp>
@@ -4712,82 +4697,57 @@
               <a:buChar char="o"/>
             </a:pPr>
             <a:r>
-              <a:rPr lang="en-US" sz="1800" dirty="0" smtClean="0"/>
-              <a:t>A rightmost derivation in reverse can be obtained by “handle pruning</a:t>
-            </a:r>
-            <a:r>
-              <a:rPr lang="en-US" sz="1800" dirty="0" smtClean="0"/>
-              <a:t>”. That </a:t>
-            </a:r>
-            <a:r>
-              <a:rPr lang="en-US" sz="1800" dirty="0" smtClean="0"/>
-              <a:t>is</a:t>
-            </a:r>
-            <a:r>
-              <a:rPr lang="en-US" sz="1800" dirty="0" smtClean="0"/>
-              <a:t>, we </a:t>
-            </a:r>
-            <a:r>
-              <a:rPr lang="en-US" sz="1800" dirty="0" smtClean="0"/>
-              <a:t>start with a string of terminals w that we wish to </a:t>
-            </a:r>
-            <a:r>
-              <a:rPr lang="en-US" sz="1800" dirty="0" err="1" smtClean="0"/>
+              <a:rPr lang="en-US" sz="1800" dirty="0"/>
+              <a:t>A rightmost derivation in reverse can be obtained by “handle pruning”. That is, we start with a string of terminals w that we wish to </a:t>
+            </a:r>
+            <a:r>
+              <a:rPr lang="en-US" sz="1800" dirty="0" err="1"/>
               <a:t>parse.If</a:t>
             </a:r>
             <a:r>
-              <a:rPr lang="en-US" sz="1800" dirty="0" smtClean="0"/>
+              <a:rPr lang="en-US" sz="1800" dirty="0"/>
               <a:t> </a:t>
             </a:r>
             <a:r>
-              <a:rPr lang="el-GR" sz="1800" dirty="0" smtClean="0"/>
+              <a:rPr lang="el-GR" sz="1800" dirty="0"/>
               <a:t>ω</a:t>
             </a:r>
             <a:r>
-              <a:rPr lang="en-US" sz="1800" dirty="0" smtClean="0"/>
-              <a:t> is a sentence of grammar at hand</a:t>
-            </a:r>
-            <a:r>
-              <a:rPr lang="en-US" sz="1800" dirty="0" smtClean="0"/>
-              <a:t>, then </a:t>
-            </a:r>
-            <a:r>
-              <a:rPr lang="el-GR" sz="1800" dirty="0" smtClean="0"/>
+              <a:rPr lang="en-US" sz="1800" dirty="0"/>
+              <a:t> is a sentence of grammar at hand, then </a:t>
+            </a:r>
+            <a:r>
+              <a:rPr lang="el-GR" sz="1800" dirty="0"/>
               <a:t>ω</a:t>
             </a:r>
             <a:r>
-              <a:rPr lang="en-US" sz="1800" dirty="0" smtClean="0"/>
+              <a:rPr lang="en-US" sz="1800" dirty="0"/>
               <a:t> = </a:t>
             </a:r>
             <a:r>
-              <a:rPr lang="el-GR" sz="1800" dirty="0" smtClean="0"/>
+              <a:rPr lang="el-GR" sz="1800" dirty="0"/>
               <a:t>γ</a:t>
             </a:r>
             <a:r>
-              <a:rPr lang="en-US" sz="1800" dirty="0" smtClean="0"/>
+              <a:rPr lang="en-US" sz="1800" dirty="0"/>
               <a:t>,where </a:t>
             </a:r>
             <a:r>
-              <a:rPr lang="el-GR" sz="1800" dirty="0" smtClean="0"/>
+              <a:rPr lang="el-GR" sz="1800" dirty="0"/>
               <a:t>γ</a:t>
             </a:r>
             <a:r>
-              <a:rPr lang="en-US" sz="1800" baseline="-25000" dirty="0" smtClean="0"/>
+              <a:rPr lang="en-US" sz="1800" baseline="-25000" dirty="0"/>
               <a:t>n</a:t>
             </a:r>
             <a:r>
-              <a:rPr lang="en-US" sz="1800" dirty="0" smtClean="0"/>
-              <a:t> is the nth right-sentential form of some as yet unknown rightmost </a:t>
-            </a:r>
-            <a:r>
-              <a:rPr lang="en-US" sz="1800" dirty="0" smtClean="0"/>
-              <a:t>derivation.</a:t>
-            </a:r>
-            <a:endParaRPr lang="en-US" sz="1800" dirty="0" smtClean="0"/>
+              <a:rPr lang="en-US" sz="1800" dirty="0"/>
+              <a:t> is the nth right-sentential form of some as yet unknown rightmost derivation.</a:t>
+            </a:r>
           </a:p>
           <a:p>
             <a:pPr algn="just"/>
-            <a:endParaRPr lang="en-US" sz="2400" dirty="0" smtClean="0"/>
+            <a:endParaRPr lang="en-US" sz="2400" dirty="0"/>
           </a:p>
           <a:p>
             <a:pPr marL="109728" indent="0">
@@ -4800,11 +4760,11 @@
               <a:buNone/>
             </a:pPr>
             <a:r>
-              <a:rPr lang="en-US" sz="2400" dirty="0" smtClean="0"/>
+              <a:rPr lang="en-US" sz="2400" dirty="0"/>
               <a:t>                  S = </a:t>
             </a:r>
             <a:r>
-              <a:rPr lang="en-US" sz="2400" dirty="0" smtClean="0">
+              <a:rPr lang="en-US" sz="2400" dirty="0">
                 <a:sym typeface="Symbol" pitchFamily="18" charset="2"/>
               </a:rPr>
               <a:t></a:t>
@@ -4876,7 +4836,7 @@
               <a:t> </a:t>
             </a:r>
             <a:r>
-              <a:rPr lang="en-US" sz="2400" dirty="0" smtClean="0">
+              <a:rPr lang="en-US" sz="2400" dirty="0">
                 <a:sym typeface="Symbol" pitchFamily="18" charset="2"/>
               </a:rPr>
               <a:t>          </a:t>
@@ -4895,18 +4855,18 @@
               <a:buNone/>
             </a:pPr>
             <a:r>
-              <a:rPr lang="en-US" sz="2400" dirty="0" smtClean="0">
+              <a:rPr lang="en-US" sz="2400" dirty="0">
                 <a:sym typeface="Symbol" pitchFamily="18" charset="2"/>
               </a:rPr>
               <a:t>                                                                                    </a:t>
             </a:r>
             <a:r>
-              <a:rPr lang="en-US" sz="1800" dirty="0" smtClean="0">
+              <a:rPr lang="en-US" sz="1800" dirty="0">
                 <a:sym typeface="Symbol" pitchFamily="18" charset="2"/>
               </a:rPr>
               <a:t>Input string</a:t>
             </a:r>
-            <a:endParaRPr lang="en-US" sz="1800" dirty="0" smtClean="0"/>
+            <a:endParaRPr lang="en-US" sz="1800" dirty="0"/>
           </a:p>
         </p:txBody>
       </p:sp>
@@ -4966,7 +4926,7 @@
           <a:lstStyle/>
           <a:p>
             <a:r>
-              <a:rPr lang="en-US" sz="1000" dirty="0" err="1" smtClean="0"/>
+              <a:rPr lang="en-US" sz="1000" dirty="0" err="1"/>
               <a:t>rm</a:t>
             </a:r>
             <a:endParaRPr lang="en-US" sz="1000" dirty="0"/>
@@ -4996,7 +4956,7 @@
           <a:lstStyle/>
           <a:p>
             <a:r>
-              <a:rPr lang="en-US" sz="1000" dirty="0" err="1" smtClean="0"/>
+              <a:rPr lang="en-US" sz="1000" dirty="0" err="1"/>
               <a:t>rm</a:t>
             </a:r>
             <a:endParaRPr lang="en-US" sz="1000" dirty="0"/>
@@ -5026,7 +4986,7 @@
           <a:lstStyle/>
           <a:p>
             <a:r>
-              <a:rPr lang="en-US" sz="1000" dirty="0" err="1" smtClean="0"/>
+              <a:rPr lang="en-US" sz="1000" dirty="0" err="1"/>
               <a:t>rm</a:t>
             </a:r>
             <a:endParaRPr lang="en-US" sz="1000" dirty="0"/>
@@ -5056,7 +5016,7 @@
           <a:lstStyle/>
           <a:p>
             <a:r>
-              <a:rPr lang="en-US" sz="1000" dirty="0" err="1" smtClean="0"/>
+              <a:rPr lang="en-US" sz="1000" dirty="0" err="1"/>
               <a:t>rm</a:t>
             </a:r>
             <a:endParaRPr lang="en-US" sz="1000" dirty="0"/>
@@ -5086,7 +5046,7 @@
           <a:lstStyle/>
           <a:p>
             <a:r>
-              <a:rPr lang="en-US" sz="1000" dirty="0" err="1" smtClean="0"/>
+              <a:rPr lang="en-US" sz="1000" dirty="0" err="1"/>
               <a:t>rm</a:t>
             </a:r>
             <a:endParaRPr lang="en-US" sz="1000" dirty="0"/>
@@ -5096,20 +5056,13 @@
     </p:spTree>
     <p:extLst>
       <p:ext uri="{BB962C8B-B14F-4D97-AF65-F5344CB8AC3E}">
-        <p14:creationId xmlns:p14="http://schemas.microsoft.com/office/powerpoint/2010/main" xmlns="" val="72429509"/>
+        <p14:creationId xmlns:p14="http://schemas.microsoft.com/office/powerpoint/2010/main" val="72429509"/>
       </p:ext>
     </p:extLst>
   </p:cSld>
   <p:clrMapOvr>
     <a:masterClrMapping/>
   </p:clrMapOvr>
-  <p:timing>
-    <p:tnLst>
-      <p:par>
-        <p:cTn id="1" dur="indefinite" restart="never" nodeType="tmRoot"/>
-      </p:par>
-    </p:tnLst>
-  </p:timing>
 </p:sld>
 </file>
 
@@ -5154,10 +5107,9 @@
           <a:p>
             <a:pPr algn="ctr"/>
             <a:r>
-              <a:rPr lang="en-US" sz="2800" dirty="0" smtClean="0"/>
+              <a:rPr lang="en-US" sz="2800" dirty="0"/>
               <a:t>Handle Pruning</a:t>
             </a:r>
-            <a:endParaRPr lang="en-US" sz="2800" dirty="0"/>
           </a:p>
         </p:txBody>
       </p:sp>
@@ -5271,9 +5223,6 @@
               </a:rPr>
               <a:t> </a:t>
             </a:r>
-            <a:endParaRPr lang="en-US" sz="2100" dirty="0" smtClean="0">
-              <a:sym typeface="Symbol" pitchFamily="18" charset="2"/>
-            </a:endParaRPr>
           </a:p>
           <a:p>
             <a:pPr marL="109728" indent="0" algn="ctr">
@@ -5283,12 +5232,12 @@
               <a:buNone/>
             </a:pPr>
             <a:r>
-              <a:rPr lang="en-US" sz="2100" dirty="0" smtClean="0">
+              <a:rPr lang="en-US" sz="2100" dirty="0">
                 <a:sym typeface="Symbol" pitchFamily="18" charset="2"/>
               </a:rPr>
               <a:t>         </a:t>
             </a:r>
-            <a:endParaRPr lang="en-US" sz="2000" dirty="0" smtClean="0">
+            <a:endParaRPr lang="en-US" sz="2000" dirty="0">
               <a:sym typeface="Symbol" pitchFamily="18" charset="2"/>
             </a:endParaRPr>
           </a:p>
@@ -5301,16 +5250,10 @@
               <a:buChar char="o"/>
             </a:pPr>
             <a:r>
-              <a:rPr lang="en-US" sz="2000" dirty="0" smtClean="0">
-                <a:sym typeface="Symbol" pitchFamily="18" charset="2"/>
-              </a:rPr>
-              <a:t>Start </a:t>
-            </a:r>
-            <a:r>
               <a:rPr lang="en-US" sz="2000" dirty="0">
                 <a:sym typeface="Symbol" pitchFamily="18" charset="2"/>
               </a:rPr>
-              <a:t>from </a:t>
+              <a:t>Start from </a:t>
             </a:r>
             <a:r>
               <a:rPr lang="en-US" sz="2000" baseline="-25000" dirty="0">
@@ -5433,22 +5376,16 @@
               <a:rPr lang="en-US" sz="2000" dirty="0">
                 <a:sym typeface="Symbol" pitchFamily="18" charset="2"/>
               </a:rPr>
-              <a:t> in </a:t>
-            </a:r>
-            <a:r>
-              <a:rPr lang="en-US" sz="2000" dirty="0" smtClean="0">
+              <a:t> in </a:t>
+            </a:r>
+            <a:r>
+              <a:rPr lang="en-US" sz="2000" baseline="-25000" dirty="0">
                 <a:sym typeface="Symbol" pitchFamily="18" charset="2"/>
               </a:rPr>
-              <a:t></a:t>
-            </a:r>
-            <a:r>
-              <a:rPr lang="en-US" sz="2000" baseline="-25000" dirty="0" smtClean="0">
-                <a:sym typeface="Symbol" pitchFamily="18" charset="2"/>
-              </a:rPr>
               <a:t>n-1</a:t>
             </a:r>
             <a:r>
-              <a:rPr lang="en-US" sz="2000" dirty="0" smtClean="0">
+              <a:rPr lang="en-US" sz="2000" dirty="0">
                 <a:sym typeface="Symbol" pitchFamily="18" charset="2"/>
               </a:rPr>
               <a:t>,</a:t>
@@ -5462,16 +5399,10 @@
               <a:buNone/>
             </a:pPr>
             <a:r>
-              <a:rPr lang="en-US" sz="2000" dirty="0" smtClean="0">
-                <a:sym typeface="Symbol" pitchFamily="18" charset="2"/>
-              </a:rPr>
-              <a:t>    and replace </a:t>
-            </a:r>
-            <a:r>
               <a:rPr lang="en-US" sz="2000" dirty="0">
                 <a:sym typeface="Symbol" pitchFamily="18" charset="2"/>
               </a:rPr>
-              <a:t></a:t>
+              <a:t>    and replace </a:t>
             </a:r>
             <a:r>
               <a:rPr lang="en-US" sz="2000" baseline="-25000" dirty="0">
@@ -5522,17 +5453,8 @@
               <a:rPr lang="en-US" sz="2000" dirty="0">
                 <a:sym typeface="Symbol" pitchFamily="18" charset="2"/>
               </a:rPr>
-              <a:t>Repeat this, until we reach S</a:t>
-            </a:r>
-            <a:r>
-              <a:rPr lang="en-US" sz="2000" dirty="0" smtClean="0">
-                <a:sym typeface="Symbol" pitchFamily="18" charset="2"/>
-              </a:rPr>
-              <a:t>.</a:t>
-            </a:r>
-            <a:endParaRPr lang="en-US" sz="2000" dirty="0">
-              <a:sym typeface="Symbol" pitchFamily="18" charset="2"/>
-            </a:endParaRPr>
+              <a:t>Repeat this, until we reach S.</a:t>
+            </a:r>
           </a:p>
         </p:txBody>
       </p:sp>
@@ -5559,10 +5481,9 @@
           <a:lstStyle/>
           <a:p>
             <a:r>
-              <a:rPr lang="en-US" sz="1000" dirty="0" smtClean="0"/>
+              <a:rPr lang="en-US" sz="1000" dirty="0"/>
               <a:t>rm</a:t>
             </a:r>
-            <a:endParaRPr lang="en-US" sz="1000" dirty="0"/>
           </a:p>
         </p:txBody>
       </p:sp>
@@ -5589,10 +5510,9 @@
           <a:lstStyle/>
           <a:p>
             <a:r>
-              <a:rPr lang="en-US" sz="1000" dirty="0" smtClean="0"/>
+              <a:rPr lang="en-US" sz="1000" dirty="0"/>
               <a:t>rm</a:t>
             </a:r>
-            <a:endParaRPr lang="en-US" sz="1000" dirty="0"/>
           </a:p>
         </p:txBody>
       </p:sp>
@@ -5619,10 +5539,9 @@
           <a:lstStyle/>
           <a:p>
             <a:r>
-              <a:rPr lang="en-US" sz="1000" dirty="0" smtClean="0"/>
+              <a:rPr lang="en-US" sz="1000" dirty="0"/>
               <a:t>rm</a:t>
             </a:r>
-            <a:endParaRPr lang="en-US" sz="1000" dirty="0"/>
           </a:p>
         </p:txBody>
       </p:sp>
@@ -5649,10 +5568,9 @@
           <a:lstStyle/>
           <a:p>
             <a:r>
-              <a:rPr lang="en-US" sz="1000" dirty="0" smtClean="0"/>
+              <a:rPr lang="en-US" sz="1000" dirty="0"/>
               <a:t>rm</a:t>
             </a:r>
-            <a:endParaRPr lang="en-US" sz="1000" dirty="0"/>
           </a:p>
         </p:txBody>
       </p:sp>
@@ -5679,30 +5597,22 @@
           <a:lstStyle/>
           <a:p>
             <a:r>
-              <a:rPr lang="en-US" sz="1000" dirty="0" smtClean="0"/>
+              <a:rPr lang="en-US" sz="1000" dirty="0"/>
               <a:t>rm</a:t>
             </a:r>
-            <a:endParaRPr lang="en-US" sz="1000" dirty="0"/>
           </a:p>
         </p:txBody>
       </p:sp>
     </p:spTree>
     <p:extLst>
       <p:ext uri="{BB962C8B-B14F-4D97-AF65-F5344CB8AC3E}">
-        <p14:creationId xmlns:p14="http://schemas.microsoft.com/office/powerpoint/2010/main" xmlns="" val="2893211830"/>
+        <p14:creationId xmlns:p14="http://schemas.microsoft.com/office/powerpoint/2010/main" val="2893211830"/>
       </p:ext>
     </p:extLst>
   </p:cSld>
   <p:clrMapOvr>
     <a:masterClrMapping/>
   </p:clrMapOvr>
-  <p:timing>
-    <p:tnLst>
-      <p:par>
-        <p:cTn id="1" dur="indefinite" restart="never" nodeType="tmRoot"/>
-      </p:par>
-    </p:tnLst>
-  </p:timing>
 </p:sld>
 </file>
 
@@ -5747,10 +5657,9 @@
           <a:p>
             <a:pPr algn="ctr"/>
             <a:r>
-              <a:rPr lang="en-US" sz="2800" dirty="0" smtClean="0"/>
+              <a:rPr lang="en-US" sz="2800" dirty="0"/>
               <a:t>A Shift-Reduce Parser</a:t>
             </a:r>
-            <a:endParaRPr lang="en-US" sz="2800" dirty="0"/>
           </a:p>
         </p:txBody>
       </p:sp>
@@ -5791,19 +5700,7 @@
               <a:rPr lang="en-US" sz="1800" dirty="0">
                 <a:sym typeface="Symbol" pitchFamily="18" charset="2"/>
               </a:rPr>
-              <a:t> E+T  | T	       </a:t>
-            </a:r>
-            <a:r>
-              <a:rPr lang="en-US" sz="1800" dirty="0" smtClean="0">
-                <a:sym typeface="Symbol" pitchFamily="18" charset="2"/>
-              </a:rPr>
-              <a:t>	Right-Most </a:t>
-            </a:r>
-            <a:r>
-              <a:rPr lang="en-US" sz="1800" dirty="0">
-                <a:sym typeface="Symbol" pitchFamily="18" charset="2"/>
-              </a:rPr>
-              <a:t>Derivation of   </a:t>
+              <a:t> E+T  | T	       	Right-Most Derivation of   </a:t>
             </a:r>
             <a:r>
               <a:rPr lang="en-US" sz="1800" dirty="0" err="1">
@@ -5894,13 +5791,13 @@
               <a:t>*id  </a:t>
             </a:r>
             <a:r>
-              <a:rPr lang="en-US" sz="1800" dirty="0" err="1" smtClean="0">
+              <a:rPr lang="en-US" sz="1800" dirty="0" err="1">
                 <a:sym typeface="Symbol" pitchFamily="18" charset="2"/>
               </a:rPr>
               <a:t>id+id</a:t>
             </a:r>
             <a:r>
-              <a:rPr lang="en-US" sz="1800" dirty="0" smtClean="0">
+              <a:rPr lang="en-US" sz="1800" dirty="0">
                 <a:sym typeface="Symbol" pitchFamily="18" charset="2"/>
               </a:rPr>
               <a:t>*id</a:t>
@@ -5926,7 +5823,7 @@
               <a:buFontTx/>
               <a:buNone/>
             </a:pPr>
-            <a:endParaRPr lang="en-US" sz="1800" dirty="0" smtClean="0">
+            <a:endParaRPr lang="en-US" sz="1800" dirty="0">
               <a:sym typeface="Symbol" pitchFamily="18" charset="2"/>
             </a:endParaRPr>
           </a:p>
@@ -5938,7 +5835,7 @@
               <a:buFontTx/>
               <a:buNone/>
             </a:pPr>
-            <a:endParaRPr lang="en-US" sz="1800" dirty="0" smtClean="0">
+            <a:endParaRPr lang="en-US" sz="1800" dirty="0">
               <a:sym typeface="Symbol" pitchFamily="18" charset="2"/>
             </a:endParaRPr>
           </a:p>
@@ -5956,7 +5853,7 @@
           <p:nvPr>
             <p:extLst>
               <p:ext uri="{D42A27DB-BD31-4B8C-83A1-F6EECF244321}">
-                <p14:modId xmlns:p14="http://schemas.microsoft.com/office/powerpoint/2010/main" xmlns="" val="1990527566"/>
+                <p14:modId xmlns:p14="http://schemas.microsoft.com/office/powerpoint/2010/main" val="1990527566"/>
               </p:ext>
             </p:extLst>
           </p:nvPr>
@@ -5972,9 +5869,27 @@
                 <a:tableStyleId>{5940675A-B579-460E-94D1-54222C63F5DA}</a:tableStyleId>
               </a:tblPr>
               <a:tblGrid>
-                <a:gridCol w="2971799"/>
-                <a:gridCol w="1981200"/>
-                <a:gridCol w="2819401"/>
+                <a:gridCol w="2971799">
+                  <a:extLst>
+                    <a:ext uri="{9D8B030D-6E8A-4147-A177-3AD203B41FA5}">
+                      <a16:colId xmlns:a16="http://schemas.microsoft.com/office/drawing/2014/main" val="20000"/>
+                    </a:ext>
+                  </a:extLst>
+                </a:gridCol>
+                <a:gridCol w="1981200">
+                  <a:extLst>
+                    <a:ext uri="{9D8B030D-6E8A-4147-A177-3AD203B41FA5}">
+                      <a16:colId xmlns:a16="http://schemas.microsoft.com/office/drawing/2014/main" val="20001"/>
+                    </a:ext>
+                  </a:extLst>
+                </a:gridCol>
+                <a:gridCol w="2819401">
+                  <a:extLst>
+                    <a:ext uri="{9D8B030D-6E8A-4147-A177-3AD203B41FA5}">
+                      <a16:colId xmlns:a16="http://schemas.microsoft.com/office/drawing/2014/main" val="20002"/>
+                    </a:ext>
+                  </a:extLst>
+                </a:gridCol>
               </a:tblGrid>
               <a:tr h="370840">
                 <a:tc>
@@ -5984,7 +5899,7 @@
                     <a:p>
                       <a:pPr algn="ctr"/>
                       <a:r>
-                        <a:rPr lang="en-US" sz="1800" u="none" dirty="0" smtClean="0">
+                        <a:rPr lang="en-US" sz="1800" u="none" dirty="0">
                           <a:solidFill>
                             <a:srgbClr val="0070C0"/>
                           </a:solidFill>
@@ -5993,7 +5908,7 @@
                         <a:t>Right-Most Sentential</a:t>
                       </a:r>
                       <a:r>
-                        <a:rPr lang="en-US" sz="1800" u="none" baseline="0" dirty="0" smtClean="0">
+                        <a:rPr lang="en-US" sz="1800" u="none" baseline="0" dirty="0">
                           <a:solidFill>
                             <a:srgbClr val="0070C0"/>
                           </a:solidFill>
@@ -6017,18 +5932,13 @@
                     <a:p>
                       <a:pPr algn="ctr"/>
                       <a:r>
-                        <a:rPr lang="en-US" sz="1800" dirty="0" smtClean="0">
+                        <a:rPr lang="en-US" sz="1800" dirty="0">
                           <a:solidFill>
                             <a:srgbClr val="0070C0"/>
                           </a:solidFill>
                         </a:rPr>
                         <a:t>HANDLE</a:t>
                       </a:r>
-                      <a:endParaRPr lang="en-US" sz="1800" dirty="0">
-                        <a:solidFill>
-                          <a:srgbClr val="0070C0"/>
-                        </a:solidFill>
-                      </a:endParaRPr>
                     </a:p>
                   </a:txBody>
                   <a:tcPr/>
@@ -6040,7 +5950,7 @@
                     <a:p>
                       <a:pPr algn="ctr"/>
                       <a:r>
-                        <a:rPr lang="en-US" sz="1800" u="none" dirty="0" smtClean="0">
+                        <a:rPr lang="en-US" sz="1800" u="none" dirty="0">
                           <a:solidFill>
                             <a:srgbClr val="0070C0"/>
                           </a:solidFill>
@@ -6057,6 +5967,11 @@
                   </a:txBody>
                   <a:tcPr/>
                 </a:tc>
+                <a:extLst>
+                  <a:ext uri="{0D108BD9-81ED-4DB2-BD59-A6C34878D82A}">
+                    <a16:rowId xmlns:a16="http://schemas.microsoft.com/office/drawing/2014/main" val="10000"/>
+                  </a:ext>
+                </a:extLst>
               </a:tr>
               <a:tr h="370840">
                 <a:tc>
@@ -6066,7 +5981,7 @@
                     <a:p>
                       <a:pPr algn="l"/>
                       <a:r>
-                        <a:rPr lang="en-US" sz="1800" u="none" dirty="0" smtClean="0">
+                        <a:rPr lang="en-US" sz="1800" u="none" dirty="0">
                           <a:solidFill>
                             <a:srgbClr val="CC0000"/>
                           </a:solidFill>
@@ -6076,7 +5991,7 @@
                         <a:t>id</a:t>
                       </a:r>
                       <a:r>
-                        <a:rPr lang="en-US" sz="1800" u="none" dirty="0" smtClean="0">
+                        <a:rPr lang="en-US" sz="1800" u="none" dirty="0">
                           <a:latin typeface="Courier New" pitchFamily="49" charset="0"/>
                           <a:sym typeface="Symbol" pitchFamily="18" charset="2"/>
                         </a:rPr>
@@ -6086,7 +6001,7 @@
                     <a:p>
                       <a:pPr algn="l"/>
                       <a:r>
-                        <a:rPr lang="en-US" sz="1800" u="none" dirty="0" smtClean="0">
+                        <a:rPr lang="en-US" sz="1800" u="none" dirty="0">
                           <a:solidFill>
                             <a:srgbClr val="CC0000"/>
                           </a:solidFill>
@@ -6096,7 +6011,7 @@
                         <a:t>F</a:t>
                       </a:r>
                       <a:r>
-                        <a:rPr lang="en-US" sz="1800" u="none" dirty="0" smtClean="0">
+                        <a:rPr lang="en-US" sz="1800" u="none" dirty="0">
                           <a:latin typeface="Courier New" pitchFamily="49" charset="0"/>
                           <a:sym typeface="Symbol" pitchFamily="18" charset="2"/>
                         </a:rPr>
@@ -6106,7 +6021,7 @@
                     <a:p>
                       <a:pPr algn="l"/>
                       <a:r>
-                        <a:rPr lang="en-US" sz="1800" u="none" dirty="0" smtClean="0">
+                        <a:rPr lang="en-US" sz="1800" u="none" dirty="0">
                           <a:solidFill>
                             <a:srgbClr val="CC0000"/>
                           </a:solidFill>
@@ -6116,7 +6031,7 @@
                         <a:t>T</a:t>
                       </a:r>
                       <a:r>
-                        <a:rPr lang="en-US" sz="1800" u="none" dirty="0" smtClean="0">
+                        <a:rPr lang="en-US" sz="1800" u="none" dirty="0">
                           <a:latin typeface="Courier New" pitchFamily="49" charset="0"/>
                           <a:sym typeface="Symbol" pitchFamily="18" charset="2"/>
                         </a:rPr>
@@ -6126,14 +6041,14 @@
                     <a:p>
                       <a:pPr algn="l"/>
                       <a:r>
-                        <a:rPr lang="en-US" sz="1800" u="none" dirty="0" smtClean="0">
+                        <a:rPr lang="en-US" sz="1800" u="none" dirty="0">
                           <a:latin typeface="Courier New" pitchFamily="49" charset="0"/>
                           <a:sym typeface="Symbol" pitchFamily="18" charset="2"/>
                         </a:rPr>
                         <a:t>E+</a:t>
                       </a:r>
                       <a:r>
-                        <a:rPr lang="en-US" sz="1800" u="none" dirty="0" smtClean="0">
+                        <a:rPr lang="en-US" sz="1800" u="none" dirty="0">
                           <a:solidFill>
                             <a:srgbClr val="CC0000"/>
                           </a:solidFill>
@@ -6143,7 +6058,7 @@
                         <a:t>id</a:t>
                       </a:r>
                       <a:r>
-                        <a:rPr lang="en-US" sz="1800" u="none" dirty="0" smtClean="0">
+                        <a:rPr lang="en-US" sz="1800" u="none" dirty="0">
                           <a:latin typeface="Courier New" pitchFamily="49" charset="0"/>
                           <a:sym typeface="Symbol" pitchFamily="18" charset="2"/>
                         </a:rPr>
@@ -6153,14 +6068,14 @@
                     <a:p>
                       <a:pPr algn="l"/>
                       <a:r>
-                        <a:rPr lang="en-US" sz="1800" u="none" dirty="0" smtClean="0">
+                        <a:rPr lang="en-US" sz="1800" u="none" dirty="0">
                           <a:latin typeface="Courier New" pitchFamily="49" charset="0"/>
                           <a:sym typeface="Symbol" pitchFamily="18" charset="2"/>
                         </a:rPr>
                         <a:t>E+</a:t>
                       </a:r>
                       <a:r>
-                        <a:rPr lang="en-US" sz="1800" u="none" dirty="0" smtClean="0">
+                        <a:rPr lang="en-US" sz="1800" u="none" dirty="0">
                           <a:solidFill>
                             <a:srgbClr val="CC0000"/>
                           </a:solidFill>
@@ -6170,7 +6085,7 @@
                         <a:t>F</a:t>
                       </a:r>
                       <a:r>
-                        <a:rPr lang="en-US" sz="1800" u="none" dirty="0" smtClean="0">
+                        <a:rPr lang="en-US" sz="1800" u="none" dirty="0">
                           <a:latin typeface="Courier New" pitchFamily="49" charset="0"/>
                           <a:sym typeface="Symbol" pitchFamily="18" charset="2"/>
                         </a:rPr>
@@ -6180,14 +6095,14 @@
                     <a:p>
                       <a:pPr algn="l"/>
                       <a:r>
-                        <a:rPr lang="en-US" sz="1800" u="none" dirty="0" smtClean="0">
+                        <a:rPr lang="en-US" sz="1800" u="none" dirty="0">
                           <a:latin typeface="Courier New" pitchFamily="49" charset="0"/>
                           <a:sym typeface="Symbol" pitchFamily="18" charset="2"/>
                         </a:rPr>
                         <a:t>E+T*</a:t>
                       </a:r>
                       <a:r>
-                        <a:rPr lang="en-US" sz="1800" u="none" dirty="0" smtClean="0">
+                        <a:rPr lang="en-US" sz="1800" u="none" dirty="0">
                           <a:solidFill>
                             <a:srgbClr val="CC0000"/>
                           </a:solidFill>
@@ -6200,14 +6115,14 @@
                     <a:p>
                       <a:pPr algn="l"/>
                       <a:r>
-                        <a:rPr lang="en-US" sz="1800" u="none" dirty="0" smtClean="0">
+                        <a:rPr lang="en-US" sz="1800" u="none" dirty="0">
                           <a:latin typeface="Courier New" pitchFamily="49" charset="0"/>
                           <a:sym typeface="Symbol" pitchFamily="18" charset="2"/>
                         </a:rPr>
                         <a:t>E+</a:t>
                       </a:r>
                       <a:r>
-                        <a:rPr lang="en-US" sz="1800" u="none" dirty="0" smtClean="0">
+                        <a:rPr lang="en-US" sz="1800" u="none" dirty="0">
                           <a:solidFill>
                             <a:srgbClr val="CC0000"/>
                           </a:solidFill>
@@ -6217,7 +6132,7 @@
                         <a:t>T*F</a:t>
                       </a:r>
                       <a:r>
-                        <a:rPr lang="en-US" sz="1800" dirty="0" smtClean="0">
+                        <a:rPr lang="en-US" sz="1800" dirty="0">
                           <a:latin typeface="Courier New" pitchFamily="49" charset="0"/>
                           <a:sym typeface="Symbol" pitchFamily="18" charset="2"/>
                         </a:rPr>
@@ -6227,7 +6142,7 @@
                     <a:p>
                       <a:pPr algn="l"/>
                       <a:r>
-                        <a:rPr lang="en-US" sz="1800" u="none" dirty="0" smtClean="0">
+                        <a:rPr lang="en-US" sz="1800" u="none" dirty="0">
                           <a:solidFill>
                             <a:srgbClr val="FF0000"/>
                           </a:solidFill>
@@ -6263,7 +6178,7 @@
                         <a:defRPr/>
                       </a:pPr>
                       <a:r>
-                        <a:rPr lang="en-US" sz="1800" dirty="0" smtClean="0">
+                        <a:rPr lang="en-US" sz="1800" dirty="0">
                           <a:latin typeface="Courier New" pitchFamily="49" charset="0"/>
                           <a:sym typeface="Symbol" pitchFamily="18" charset="2"/>
                         </a:rPr>
@@ -6280,7 +6195,7 @@
                     <a:p>
                       <a:pPr algn="ctr"/>
                       <a:r>
-                        <a:rPr lang="en-US" dirty="0" smtClean="0">
+                        <a:rPr lang="en-US" dirty="0">
                           <a:latin typeface="Courier New" pitchFamily="49" charset="0"/>
                           <a:cs typeface="Courier New" pitchFamily="49" charset="0"/>
                         </a:rPr>
@@ -6290,7 +6205,7 @@
                     <a:p>
                       <a:pPr algn="ctr"/>
                       <a:r>
-                        <a:rPr lang="en-US" dirty="0" smtClean="0">
+                        <a:rPr lang="en-US" dirty="0">
                           <a:latin typeface="Courier New" pitchFamily="49" charset="0"/>
                           <a:cs typeface="Courier New" pitchFamily="49" charset="0"/>
                         </a:rPr>
@@ -6300,7 +6215,7 @@
                     <a:p>
                       <a:pPr algn="ctr"/>
                       <a:r>
-                        <a:rPr lang="en-US" dirty="0" smtClean="0">
+                        <a:rPr lang="en-US" dirty="0">
                           <a:latin typeface="Courier New" pitchFamily="49" charset="0"/>
                           <a:cs typeface="Courier New" pitchFamily="49" charset="0"/>
                         </a:rPr>
@@ -6310,7 +6225,7 @@
                     <a:p>
                       <a:pPr algn="ctr"/>
                       <a:r>
-                        <a:rPr lang="en-US" dirty="0" smtClean="0">
+                        <a:rPr lang="en-US" dirty="0">
                           <a:latin typeface="Courier New" pitchFamily="49" charset="0"/>
                           <a:cs typeface="Courier New" pitchFamily="49" charset="0"/>
                         </a:rPr>
@@ -6320,7 +6235,7 @@
                     <a:p>
                       <a:pPr algn="ctr"/>
                       <a:r>
-                        <a:rPr lang="en-US" dirty="0" smtClean="0">
+                        <a:rPr lang="en-US" dirty="0">
                           <a:latin typeface="Courier New" pitchFamily="49" charset="0"/>
                           <a:cs typeface="Courier New" pitchFamily="49" charset="0"/>
                         </a:rPr>
@@ -6330,7 +6245,7 @@
                     <a:p>
                       <a:pPr algn="ctr"/>
                       <a:r>
-                        <a:rPr lang="en-US" dirty="0" smtClean="0">
+                        <a:rPr lang="en-US" dirty="0">
                           <a:latin typeface="Courier New" pitchFamily="49" charset="0"/>
                           <a:cs typeface="Courier New" pitchFamily="49" charset="0"/>
                         </a:rPr>
@@ -6340,7 +6255,7 @@
                     <a:p>
                       <a:pPr algn="ctr"/>
                       <a:r>
-                        <a:rPr lang="en-US" dirty="0" smtClean="0">
+                        <a:rPr lang="en-US" dirty="0">
                           <a:latin typeface="Courier New" pitchFamily="49" charset="0"/>
                           <a:cs typeface="Courier New" pitchFamily="49" charset="0"/>
                         </a:rPr>
@@ -6350,7 +6265,7 @@
                     <a:p>
                       <a:pPr algn="ctr"/>
                       <a:r>
-                        <a:rPr lang="en-US" dirty="0" smtClean="0">
+                        <a:rPr lang="en-US" dirty="0">
                           <a:latin typeface="Courier New" pitchFamily="49" charset="0"/>
                           <a:cs typeface="Courier New" pitchFamily="49" charset="0"/>
                         </a:rPr>
@@ -6373,21 +6288,21 @@
                     <a:lstStyle/>
                     <a:p>
                       <a:r>
-                        <a:rPr lang="en-US" dirty="0" err="1" smtClean="0">
+                        <a:rPr lang="en-US" dirty="0" err="1">
                           <a:latin typeface="Courier New" pitchFamily="49" charset="0"/>
                           <a:cs typeface="Courier New" pitchFamily="49" charset="0"/>
                         </a:rPr>
                         <a:t>F</a:t>
                       </a:r>
                       <a:r>
-                        <a:rPr lang="en-US" sz="1800" dirty="0" err="1" smtClean="0">
+                        <a:rPr lang="en-US" sz="1800" dirty="0" err="1">
                           <a:latin typeface="Courier New" pitchFamily="49" charset="0"/>
                           <a:cs typeface="Courier New" pitchFamily="49" charset="0"/>
                           <a:sym typeface="Symbol" pitchFamily="18" charset="2"/>
                         </a:rPr>
                         <a:t>id</a:t>
                       </a:r>
-                      <a:endParaRPr lang="en-US" sz="1800" dirty="0" smtClean="0">
+                      <a:endParaRPr lang="en-US" sz="1800" dirty="0">
                         <a:latin typeface="Courier New" pitchFamily="49" charset="0"/>
                         <a:cs typeface="Courier New" pitchFamily="49" charset="0"/>
                         <a:sym typeface="Symbol" pitchFamily="18" charset="2"/>
@@ -6395,7 +6310,7 @@
                     </a:p>
                     <a:p>
                       <a:r>
-                        <a:rPr lang="en-US" sz="1800" dirty="0" smtClean="0">
+                        <a:rPr lang="en-US" sz="1800" dirty="0">
                           <a:latin typeface="Courier New" pitchFamily="49" charset="0"/>
                           <a:cs typeface="Courier New" pitchFamily="49" charset="0"/>
                           <a:sym typeface="Symbol" pitchFamily="18" charset="2"/>
@@ -6405,7 +6320,7 @@
                     </a:p>
                     <a:p>
                       <a:r>
-                        <a:rPr lang="en-US" sz="1800" dirty="0" smtClean="0">
+                        <a:rPr lang="en-US" sz="1800" dirty="0">
                           <a:latin typeface="Courier New" pitchFamily="49" charset="0"/>
                           <a:cs typeface="Courier New" pitchFamily="49" charset="0"/>
                           <a:sym typeface="Symbol" pitchFamily="18" charset="2"/>
@@ -6415,14 +6330,14 @@
                     </a:p>
                     <a:p>
                       <a:r>
-                        <a:rPr lang="en-US" sz="1800" dirty="0" err="1" smtClean="0">
+                        <a:rPr lang="en-US" sz="1800" dirty="0" err="1">
                           <a:latin typeface="Courier New" pitchFamily="49" charset="0"/>
                           <a:cs typeface="Courier New" pitchFamily="49" charset="0"/>
                           <a:sym typeface="Symbol" pitchFamily="18" charset="2"/>
                         </a:rPr>
                         <a:t>Fid</a:t>
                       </a:r>
-                      <a:endParaRPr lang="en-US" sz="1800" dirty="0" smtClean="0">
+                      <a:endParaRPr lang="en-US" sz="1800" dirty="0">
                         <a:latin typeface="Courier New" pitchFamily="49" charset="0"/>
                         <a:cs typeface="Courier New" pitchFamily="49" charset="0"/>
                         <a:sym typeface="Symbol" pitchFamily="18" charset="2"/>
@@ -6430,14 +6345,14 @@
                     </a:p>
                     <a:p>
                       <a:r>
-                        <a:rPr lang="en-US" dirty="0" smtClean="0">
+                        <a:rPr lang="en-US" dirty="0">
                           <a:latin typeface="Courier New" pitchFamily="49" charset="0"/>
                           <a:cs typeface="Courier New" pitchFamily="49" charset="0"/>
                         </a:rPr>
                         <a:t>T</a:t>
                       </a:r>
                       <a:r>
-                        <a:rPr lang="en-US" sz="1800" dirty="0" smtClean="0">
+                        <a:rPr lang="en-US" sz="1800" dirty="0">
                           <a:latin typeface="Courier New" pitchFamily="49" charset="0"/>
                           <a:cs typeface="Courier New" pitchFamily="49" charset="0"/>
                           <a:sym typeface="Symbol" pitchFamily="18" charset="2"/>
@@ -6447,14 +6362,14 @@
                     </a:p>
                     <a:p>
                       <a:r>
-                        <a:rPr lang="en-US" sz="1800" dirty="0" err="1" smtClean="0">
+                        <a:rPr lang="en-US" sz="1800" dirty="0" err="1">
                           <a:latin typeface="Courier New" pitchFamily="49" charset="0"/>
                           <a:cs typeface="Courier New" pitchFamily="49" charset="0"/>
                           <a:sym typeface="Symbol" pitchFamily="18" charset="2"/>
                         </a:rPr>
                         <a:t>Fid</a:t>
                       </a:r>
-                      <a:endParaRPr lang="en-US" sz="1800" dirty="0" smtClean="0">
+                      <a:endParaRPr lang="en-US" sz="1800" dirty="0">
                         <a:latin typeface="Courier New" pitchFamily="49" charset="0"/>
                         <a:cs typeface="Courier New" pitchFamily="49" charset="0"/>
                         <a:sym typeface="Symbol" pitchFamily="18" charset="2"/>
@@ -6462,7 +6377,7 @@
                     </a:p>
                     <a:p>
                       <a:r>
-                        <a:rPr lang="en-US" sz="1800" dirty="0" smtClean="0">
+                        <a:rPr lang="en-US" sz="1800" dirty="0">
                           <a:latin typeface="Courier New" pitchFamily="49" charset="0"/>
                           <a:cs typeface="Courier New" pitchFamily="49" charset="0"/>
                           <a:sym typeface="Symbol" pitchFamily="18" charset="2"/>
@@ -6472,7 +6387,7 @@
                     </a:p>
                     <a:p>
                       <a:r>
-                        <a:rPr lang="en-US" sz="1800" dirty="0" smtClean="0">
+                        <a:rPr lang="en-US" sz="1800" dirty="0">
                           <a:latin typeface="Courier New" pitchFamily="49" charset="0"/>
                           <a:cs typeface="Courier New" pitchFamily="49" charset="0"/>
                           <a:sym typeface="Symbol" pitchFamily="18" charset="2"/>
@@ -6487,6 +6402,11 @@
                   </a:txBody>
                   <a:tcPr/>
                 </a:tc>
+                <a:extLst>
+                  <a:ext uri="{0D108BD9-81ED-4DB2-BD59-A6C34878D82A}">
+                    <a16:rowId xmlns:a16="http://schemas.microsoft.com/office/drawing/2014/main" val="10001"/>
+                  </a:ext>
+                </a:extLst>
               </a:tr>
             </a:tbl>
           </a:graphicData>
@@ -6495,20 +6415,13 @@
     </p:spTree>
     <p:extLst>
       <p:ext uri="{BB962C8B-B14F-4D97-AF65-F5344CB8AC3E}">
-        <p14:creationId xmlns:p14="http://schemas.microsoft.com/office/powerpoint/2010/main" xmlns="" val="3200531951"/>
+        <p14:creationId xmlns:p14="http://schemas.microsoft.com/office/powerpoint/2010/main" val="3200531951"/>
       </p:ext>
     </p:extLst>
   </p:cSld>
   <p:clrMapOvr>
     <a:masterClrMapping/>
   </p:clrMapOvr>
-  <p:timing>
-    <p:tnLst>
-      <p:par>
-        <p:cTn id="1" dur="indefinite" restart="never" nodeType="tmRoot"/>
-      </p:par>
-    </p:tnLst>
-  </p:timing>
 </p:sld>
 </file>
 
@@ -6554,15 +6467,7 @@
             <a:pPr algn="ctr"/>
             <a:r>
               <a:rPr lang="en-US" sz="2700" dirty="0"/>
-              <a:t>A Stack Implementation of </a:t>
-            </a:r>
-            <a:r>
-              <a:rPr lang="en-US" sz="2700" dirty="0" smtClean="0"/>
-              <a:t>a </a:t>
-            </a:r>
-            <a:r>
-              <a:rPr lang="en-US" sz="2700" dirty="0"/>
-              <a:t>Shift-Reduce Parser</a:t>
+              <a:t>A Stack Implementation of a Shift-Reduce Parser</a:t>
             </a:r>
           </a:p>
         </p:txBody>
@@ -6596,11 +6501,7 @@
             </a:pPr>
             <a:r>
               <a:rPr lang="en-US" sz="2000" dirty="0"/>
-              <a:t>There are four possible actions of a shift-parser action</a:t>
-            </a:r>
-            <a:r>
-              <a:rPr lang="en-US" sz="2000" dirty="0" smtClean="0"/>
-              <a:t>:</a:t>
+              <a:t>There are four possible actions of a shift-parser action:</a:t>
             </a:r>
           </a:p>
           <a:p>
@@ -6611,11 +6512,11 @@
               <a:buNone/>
             </a:pPr>
             <a:r>
-              <a:rPr lang="en-US" sz="1800" dirty="0" smtClean="0"/>
+              <a:rPr lang="en-US" sz="1800" dirty="0"/>
               <a:t>          1.</a:t>
             </a:r>
             <a:r>
-              <a:rPr lang="en-US" sz="1800" dirty="0" smtClean="0">
+              <a:rPr lang="en-US" sz="1800" dirty="0">
                 <a:solidFill>
                   <a:srgbClr val="0070C0"/>
                 </a:solidFill>
@@ -6623,16 +6524,8 @@
               <a:t>Shift</a:t>
             </a:r>
             <a:r>
-              <a:rPr lang="en-US" sz="1800" dirty="0" smtClean="0"/>
-              <a:t> </a:t>
-            </a:r>
-            <a:r>
               <a:rPr lang="en-US" sz="1800" dirty="0"/>
-              <a:t>:  The next input symbol is shifted onto the top of the </a:t>
-            </a:r>
-            <a:r>
-              <a:rPr lang="en-US" sz="1800" dirty="0" smtClean="0"/>
-              <a:t>stack.</a:t>
+              <a:t> :  The next input symbol is shifted onto the top of the stack.</a:t>
             </a:r>
           </a:p>
           <a:p>
@@ -6643,36 +6536,28 @@
               <a:buNone/>
             </a:pPr>
             <a:r>
-              <a:rPr lang="en-US" sz="1800" dirty="0" smtClean="0">
-                <a:solidFill>
-                  <a:schemeClr val="tx1"/>
-                </a:solidFill>
-              </a:rPr>
-              <a:t>          2.</a:t>
-            </a:r>
-            <a:r>
-              <a:rPr lang="en-US" sz="1800" dirty="0" smtClean="0">
-                <a:solidFill>
-                  <a:srgbClr val="0070C0"/>
-                </a:solidFill>
-              </a:rPr>
-              <a:t>Reduce</a:t>
-            </a:r>
-            <a:r>
               <a:rPr lang="en-US" sz="1800" dirty="0">
                 <a:solidFill>
                   <a:schemeClr val="tx1"/>
                 </a:solidFill>
               </a:rPr>
-              <a:t>: Replace the handle on the top of the stack by the </a:t>
-            </a:r>
-            <a:r>
-              <a:rPr lang="en-US" sz="1800" dirty="0" smtClean="0">
+              <a:t>          2.</a:t>
+            </a:r>
+            <a:r>
+              <a:rPr lang="en-US" sz="1800" dirty="0">
+                <a:solidFill>
+                  <a:srgbClr val="0070C0"/>
+                </a:solidFill>
+              </a:rPr>
+              <a:t>Reduce</a:t>
+            </a:r>
+            <a:r>
+              <a:rPr lang="en-US" sz="1800" dirty="0">
                 <a:solidFill>
                   <a:schemeClr val="tx1"/>
                 </a:solidFill>
               </a:rPr>
-              <a:t>non-terminal.</a:t>
+              <a:t>: Replace the handle on the top of the stack by the non-terminal.</a:t>
             </a:r>
           </a:p>
           <a:p>
@@ -6683,36 +6568,28 @@
               <a:buNone/>
             </a:pPr>
             <a:r>
-              <a:rPr lang="en-US" sz="1800" dirty="0" smtClean="0">
-                <a:solidFill>
-                  <a:schemeClr val="tx1"/>
-                </a:solidFill>
-              </a:rPr>
-              <a:t>          3.</a:t>
-            </a:r>
-            <a:r>
-              <a:rPr lang="en-US" sz="1800" dirty="0" smtClean="0">
-                <a:solidFill>
-                  <a:srgbClr val="0070C0"/>
-                </a:solidFill>
-              </a:rPr>
-              <a:t>Accept</a:t>
-            </a:r>
-            <a:r>
               <a:rPr lang="en-US" sz="1800" dirty="0">
                 <a:solidFill>
                   <a:schemeClr val="tx1"/>
                 </a:solidFill>
               </a:rPr>
-              <a:t>: Successful completion of </a:t>
-            </a:r>
-            <a:r>
-              <a:rPr lang="en-US" sz="1800" dirty="0" smtClean="0">
+              <a:t>          3.</a:t>
+            </a:r>
+            <a:r>
+              <a:rPr lang="en-US" sz="1800" dirty="0">
+                <a:solidFill>
+                  <a:srgbClr val="0070C0"/>
+                </a:solidFill>
+              </a:rPr>
+              <a:t>Accept</a:t>
+            </a:r>
+            <a:r>
+              <a:rPr lang="en-US" sz="1800" dirty="0">
                 <a:solidFill>
                   <a:schemeClr val="tx1"/>
                 </a:solidFill>
               </a:rPr>
-              <a:t>parsing.</a:t>
+              <a:t>: Successful completion of parsing.</a:t>
             </a:r>
           </a:p>
           <a:p>
@@ -6723,7 +6600,7 @@
               <a:buNone/>
             </a:pPr>
             <a:r>
-              <a:rPr lang="en-US" sz="1800" dirty="0" smtClean="0">
+              <a:rPr lang="en-US" sz="1800" dirty="0">
                 <a:solidFill>
                   <a:schemeClr val="tx1"/>
                 </a:solidFill>
@@ -6731,7 +6608,7 @@
               <a:t>          4.</a:t>
             </a:r>
             <a:r>
-              <a:rPr lang="en-US" sz="1800" dirty="0" smtClean="0">
+              <a:rPr lang="en-US" sz="1800" dirty="0">
                 <a:solidFill>
                   <a:srgbClr val="0070C0"/>
                 </a:solidFill>
@@ -6755,7 +6632,7 @@
               <a:buNone/>
             </a:pPr>
             <a:r>
-              <a:rPr lang="en-US" sz="1800" dirty="0" smtClean="0"/>
+              <a:rPr lang="en-US" sz="1800" dirty="0"/>
               <a:t>             </a:t>
             </a:r>
           </a:p>
@@ -6765,12 +6642,8 @@
               <a:buChar char="o"/>
             </a:pPr>
             <a:r>
-              <a:rPr lang="en-US" sz="1800" dirty="0" smtClean="0"/>
-              <a:t>Initial </a:t>
-            </a:r>
-            <a:r>
               <a:rPr lang="en-US" sz="1800" dirty="0"/>
-              <a:t>stack just contains only the end-marker $.</a:t>
+              <a:t>Initial stack just contains only the end-marker $.</a:t>
             </a:r>
           </a:p>
           <a:p>
@@ -6779,12 +6652,8 @@
               <a:buChar char="o"/>
             </a:pPr>
             <a:r>
-              <a:rPr lang="en-US" sz="1800" dirty="0" smtClean="0"/>
-              <a:t>The </a:t>
-            </a:r>
-            <a:r>
               <a:rPr lang="en-US" sz="1800" dirty="0"/>
-              <a:t>end of the input string is marked by the end-marker $.</a:t>
+              <a:t>The end of the input string is marked by the end-marker $.</a:t>
             </a:r>
           </a:p>
           <a:p>
@@ -6801,20 +6670,13 @@
     </p:spTree>
     <p:extLst>
       <p:ext uri="{BB962C8B-B14F-4D97-AF65-F5344CB8AC3E}">
-        <p14:creationId xmlns:p14="http://schemas.microsoft.com/office/powerpoint/2010/main" xmlns="" val="2966537129"/>
+        <p14:creationId xmlns:p14="http://schemas.microsoft.com/office/powerpoint/2010/main" val="2966537129"/>
       </p:ext>
     </p:extLst>
   </p:cSld>
   <p:clrMapOvr>
     <a:masterClrMapping/>
   </p:clrMapOvr>
-  <p:timing>
-    <p:tnLst>
-      <p:par>
-        <p:cTn id="1" dur="indefinite" restart="never" nodeType="tmRoot"/>
-      </p:par>
-    </p:tnLst>
-  </p:timing>
 </p:sld>
 </file>
 
@@ -6875,7 +6737,7 @@
             <p:ph idx="1"/>
             <p:extLst>
               <p:ext uri="{D42A27DB-BD31-4B8C-83A1-F6EECF244321}">
-                <p14:modId xmlns:p14="http://schemas.microsoft.com/office/powerpoint/2010/main" xmlns="" val="631371728"/>
+                <p14:modId xmlns:p14="http://schemas.microsoft.com/office/powerpoint/2010/main" val="631371728"/>
               </p:ext>
             </p:extLst>
           </p:nvPr>
@@ -6891,9 +6753,27 @@
                 <a:tableStyleId>{5940675A-B579-460E-94D1-54222C63F5DA}</a:tableStyleId>
               </a:tblPr>
               <a:tblGrid>
-                <a:gridCol w="1143000"/>
-                <a:gridCol w="1676400"/>
-                <a:gridCol w="2209800"/>
+                <a:gridCol w="1143000">
+                  <a:extLst>
+                    <a:ext uri="{9D8B030D-6E8A-4147-A177-3AD203B41FA5}">
+                      <a16:colId xmlns:a16="http://schemas.microsoft.com/office/drawing/2014/main" val="20000"/>
+                    </a:ext>
+                  </a:extLst>
+                </a:gridCol>
+                <a:gridCol w="1676400">
+                  <a:extLst>
+                    <a:ext uri="{9D8B030D-6E8A-4147-A177-3AD203B41FA5}">
+                      <a16:colId xmlns:a16="http://schemas.microsoft.com/office/drawing/2014/main" val="20001"/>
+                    </a:ext>
+                  </a:extLst>
+                </a:gridCol>
+                <a:gridCol w="2209800">
+                  <a:extLst>
+                    <a:ext uri="{9D8B030D-6E8A-4147-A177-3AD203B41FA5}">
+                      <a16:colId xmlns:a16="http://schemas.microsoft.com/office/drawing/2014/main" val="20002"/>
+                    </a:ext>
+                  </a:extLst>
+                </a:gridCol>
               </a:tblGrid>
               <a:tr h="347472">
                 <a:tc>
@@ -6903,7 +6783,7 @@
                     <a:p>
                       <a:pPr algn="ctr"/>
                       <a:r>
-                        <a:rPr lang="en-US" dirty="0" smtClean="0">
+                        <a:rPr lang="en-US" dirty="0">
                           <a:solidFill>
                             <a:srgbClr val="0070C0"/>
                           </a:solidFill>
@@ -6921,18 +6801,13 @@
                     <a:p>
                       <a:pPr algn="ctr"/>
                       <a:r>
-                        <a:rPr lang="en-US" dirty="0" smtClean="0">
+                        <a:rPr lang="en-US" dirty="0">
                           <a:solidFill>
                             <a:srgbClr val="0070C0"/>
                           </a:solidFill>
                         </a:rPr>
                         <a:t>Input</a:t>
                       </a:r>
-                      <a:endParaRPr lang="en-US" dirty="0">
-                        <a:solidFill>
-                          <a:srgbClr val="0070C0"/>
-                        </a:solidFill>
-                      </a:endParaRPr>
                     </a:p>
                   </a:txBody>
                   <a:tcPr/>
@@ -6944,22 +6819,22 @@
                     <a:p>
                       <a:pPr algn="ctr"/>
                       <a:r>
-                        <a:rPr lang="en-US" dirty="0" smtClean="0">
+                        <a:rPr lang="en-US" dirty="0">
                           <a:solidFill>
                             <a:srgbClr val="0070C0"/>
                           </a:solidFill>
                         </a:rPr>
                         <a:t>Action</a:t>
                       </a:r>
-                      <a:endParaRPr lang="en-US" dirty="0">
-                        <a:solidFill>
-                          <a:srgbClr val="0070C0"/>
-                        </a:solidFill>
-                      </a:endParaRPr>
                     </a:p>
                   </a:txBody>
                   <a:tcPr/>
                 </a:tc>
+                <a:extLst>
+                  <a:ext uri="{0D108BD9-81ED-4DB2-BD59-A6C34878D82A}">
+                    <a16:rowId xmlns:a16="http://schemas.microsoft.com/office/drawing/2014/main" val="10000"/>
+                  </a:ext>
+                </a:extLst>
               </a:tr>
               <a:tr h="3977640">
                 <a:tc>
@@ -6968,17 +6843,17 @@
                     <a:lstStyle/>
                     <a:p>
                       <a:r>
-                        <a:rPr lang="en-US" dirty="0" smtClean="0"/>
+                        <a:rPr lang="en-US" dirty="0"/>
                         <a:t>$</a:t>
                       </a:r>
                     </a:p>
                     <a:p>
                       <a:r>
-                        <a:rPr lang="en-US" dirty="0" smtClean="0"/>
+                        <a:rPr lang="en-US" dirty="0"/>
                         <a:t>$</a:t>
                       </a:r>
                       <a:r>
-                        <a:rPr lang="en-US" dirty="0" smtClean="0">
+                        <a:rPr lang="en-US" dirty="0">
                           <a:solidFill>
                             <a:srgbClr val="FF0000"/>
                           </a:solidFill>
@@ -6988,11 +6863,11 @@
                     </a:p>
                     <a:p>
                       <a:r>
-                        <a:rPr lang="en-US" dirty="0" smtClean="0"/>
+                        <a:rPr lang="en-US" dirty="0"/>
                         <a:t>$</a:t>
                       </a:r>
                       <a:r>
-                        <a:rPr lang="en-US" dirty="0" smtClean="0">
+                        <a:rPr lang="en-US" dirty="0">
                           <a:solidFill>
                             <a:srgbClr val="FF0000"/>
                           </a:solidFill>
@@ -7002,11 +6877,11 @@
                     </a:p>
                     <a:p>
                       <a:r>
-                        <a:rPr lang="en-US" dirty="0" smtClean="0"/>
+                        <a:rPr lang="en-US" dirty="0"/>
                         <a:t>$</a:t>
                       </a:r>
                       <a:r>
-                        <a:rPr lang="en-US" dirty="0" smtClean="0">
+                        <a:rPr lang="en-US" dirty="0">
                           <a:solidFill>
                             <a:srgbClr val="FF0000"/>
                           </a:solidFill>
@@ -7016,23 +6891,23 @@
                     </a:p>
                     <a:p>
                       <a:r>
-                        <a:rPr lang="en-US" dirty="0" smtClean="0"/>
+                        <a:rPr lang="en-US" dirty="0"/>
                         <a:t>$E</a:t>
                       </a:r>
                     </a:p>
                     <a:p>
                       <a:r>
-                        <a:rPr lang="en-US" dirty="0" smtClean="0"/>
+                        <a:rPr lang="en-US" dirty="0"/>
                         <a:t>$E+</a:t>
                       </a:r>
                     </a:p>
                     <a:p>
                       <a:r>
-                        <a:rPr lang="en-US" dirty="0" smtClean="0"/>
+                        <a:rPr lang="en-US" dirty="0"/>
                         <a:t>$E+</a:t>
                       </a:r>
                       <a:r>
-                        <a:rPr lang="en-US" dirty="0" smtClean="0">
+                        <a:rPr lang="en-US" dirty="0">
                           <a:solidFill>
                             <a:srgbClr val="FF0000"/>
                           </a:solidFill>
@@ -7042,11 +6917,11 @@
                     </a:p>
                     <a:p>
                       <a:r>
-                        <a:rPr lang="en-US" dirty="0" smtClean="0"/>
+                        <a:rPr lang="en-US" dirty="0"/>
                         <a:t>$E+</a:t>
                       </a:r>
                       <a:r>
-                        <a:rPr lang="en-US" dirty="0" smtClean="0">
+                        <a:rPr lang="en-US" dirty="0">
                           <a:solidFill>
                             <a:srgbClr val="FF0000"/>
                           </a:solidFill>
@@ -7056,29 +6931,29 @@
                     </a:p>
                     <a:p>
                       <a:r>
-                        <a:rPr lang="en-US" dirty="0" smtClean="0"/>
+                        <a:rPr lang="en-US" dirty="0"/>
                         <a:t>$E+T</a:t>
                       </a:r>
                       <a:br>
-                        <a:rPr lang="en-US" dirty="0" smtClean="0"/>
+                        <a:rPr lang="en-US" dirty="0"/>
                       </a:br>
                       <a:r>
-                        <a:rPr lang="en-US" dirty="0" smtClean="0"/>
+                        <a:rPr lang="en-US" dirty="0"/>
                         <a:t>$E+T</a:t>
                       </a:r>
                       <a:r>
-                        <a:rPr lang="en-US" baseline="0" dirty="0" smtClean="0"/>
+                        <a:rPr lang="en-US" baseline="0" dirty="0"/>
                         <a:t>*</a:t>
                       </a:r>
-                      <a:endParaRPr lang="en-US" baseline="30000" dirty="0" smtClean="0"/>
+                      <a:endParaRPr lang="en-US" baseline="30000" dirty="0"/>
                     </a:p>
                     <a:p>
                       <a:r>
-                        <a:rPr lang="en-US" baseline="0" dirty="0" smtClean="0"/>
+                        <a:rPr lang="en-US" baseline="0" dirty="0"/>
                         <a:t>$E+T*</a:t>
                       </a:r>
                       <a:r>
-                        <a:rPr lang="en-US" baseline="0" dirty="0" smtClean="0">
+                        <a:rPr lang="en-US" baseline="0" dirty="0">
                           <a:solidFill>
                             <a:srgbClr val="FF0000"/>
                           </a:solidFill>
@@ -7088,11 +6963,11 @@
                     </a:p>
                     <a:p>
                       <a:r>
-                        <a:rPr lang="en-US" baseline="0" dirty="0" smtClean="0"/>
+                        <a:rPr lang="en-US" baseline="0" dirty="0"/>
                         <a:t>$E+</a:t>
                       </a:r>
                       <a:r>
-                        <a:rPr lang="en-US" baseline="0" dirty="0" smtClean="0">
+                        <a:rPr lang="en-US" baseline="0" dirty="0">
                           <a:solidFill>
                             <a:srgbClr val="FF0000"/>
                           </a:solidFill>
@@ -7102,11 +6977,11 @@
                     </a:p>
                     <a:p>
                       <a:r>
-                        <a:rPr lang="en-US" baseline="0" dirty="0" smtClean="0"/>
+                        <a:rPr lang="en-US" baseline="0" dirty="0"/>
                         <a:t>$</a:t>
                       </a:r>
                       <a:r>
-                        <a:rPr lang="en-US" baseline="0" dirty="0" smtClean="0">
+                        <a:rPr lang="en-US" baseline="0" dirty="0">
                           <a:solidFill>
                             <a:srgbClr val="FF0000"/>
                           </a:solidFill>
@@ -7116,10 +6991,9 @@
                     </a:p>
                     <a:p>
                       <a:r>
-                        <a:rPr lang="en-US" baseline="0" dirty="0" smtClean="0"/>
+                        <a:rPr lang="en-US" baseline="0" dirty="0"/>
                         <a:t>$E</a:t>
                       </a:r>
-                      <a:endParaRPr lang="en-US" baseline="0" dirty="0"/>
                     </a:p>
                   </a:txBody>
                   <a:tcPr/>
@@ -7130,24 +7004,24 @@
                     <a:lstStyle/>
                     <a:p>
                       <a:r>
-                        <a:rPr lang="en-US" dirty="0" smtClean="0"/>
+                        <a:rPr lang="en-US" dirty="0"/>
                         <a:t>id+id*</a:t>
                       </a:r>
                       <a:r>
-                        <a:rPr lang="en-US" dirty="0" err="1" smtClean="0"/>
+                        <a:rPr lang="en-US" dirty="0" err="1"/>
                         <a:t>id$shift</a:t>
                       </a:r>
-                      <a:endParaRPr lang="en-US" dirty="0" smtClean="0"/>
+                      <a:endParaRPr lang="en-US" dirty="0"/>
                     </a:p>
                     <a:p>
                       <a:r>
-                        <a:rPr lang="en-US" dirty="0" smtClean="0"/>
+                        <a:rPr lang="en-US" dirty="0"/>
                         <a:t>+id*id$</a:t>
                       </a:r>
                     </a:p>
                     <a:p>
                       <a:r>
-                        <a:rPr lang="en-US" dirty="0" smtClean="0"/>
+                        <a:rPr lang="en-US" dirty="0"/>
                         <a:t>+id*id$</a:t>
                       </a:r>
                     </a:p>
@@ -7170,7 +7044,7 @@
                         <a:defRPr/>
                       </a:pPr>
                       <a:r>
-                        <a:rPr lang="en-US" dirty="0" smtClean="0"/>
+                        <a:rPr lang="en-US" dirty="0"/>
                         <a:t>+id*id$</a:t>
                       </a:r>
                     </a:p>
@@ -7193,61 +7067,61 @@
                         <a:defRPr/>
                       </a:pPr>
                       <a:r>
-                        <a:rPr lang="en-US" dirty="0" smtClean="0"/>
+                        <a:rPr lang="en-US" dirty="0"/>
                         <a:t>+id*id$</a:t>
                       </a:r>
                     </a:p>
                     <a:p>
                       <a:r>
-                        <a:rPr lang="en-US" dirty="0" smtClean="0"/>
+                        <a:rPr lang="en-US" dirty="0"/>
                         <a:t>Id*id$</a:t>
                       </a:r>
                     </a:p>
                     <a:p>
                       <a:r>
-                        <a:rPr lang="en-US" dirty="0" smtClean="0"/>
+                        <a:rPr lang="en-US" dirty="0"/>
                         <a:t>*id$</a:t>
                       </a:r>
                     </a:p>
                     <a:p>
                       <a:r>
-                        <a:rPr lang="en-US" dirty="0" smtClean="0"/>
+                        <a:rPr lang="en-US" dirty="0"/>
                         <a:t>*id$</a:t>
                       </a:r>
                     </a:p>
                     <a:p>
                       <a:r>
-                        <a:rPr lang="en-US" dirty="0" smtClean="0"/>
+                        <a:rPr lang="en-US" dirty="0"/>
                         <a:t>*id$</a:t>
                       </a:r>
                     </a:p>
                     <a:p>
                       <a:r>
-                        <a:rPr lang="en-US" dirty="0" smtClean="0"/>
+                        <a:rPr lang="en-US" dirty="0"/>
                         <a:t>id$</a:t>
                       </a:r>
                     </a:p>
                     <a:p>
                       <a:r>
-                        <a:rPr lang="en-US" dirty="0" smtClean="0"/>
+                        <a:rPr lang="en-US" dirty="0"/>
                         <a:t>$</a:t>
                       </a:r>
                     </a:p>
                     <a:p>
                       <a:r>
-                        <a:rPr lang="en-US" dirty="0" smtClean="0"/>
+                        <a:rPr lang="en-US" dirty="0"/>
                         <a:t>$</a:t>
                       </a:r>
                     </a:p>
                     <a:p>
                       <a:r>
-                        <a:rPr lang="en-US" dirty="0" smtClean="0"/>
+                        <a:rPr lang="en-US" dirty="0"/>
                         <a:t>$</a:t>
                       </a:r>
                     </a:p>
                     <a:p>
                       <a:r>
-                        <a:rPr lang="en-US" dirty="0" smtClean="0"/>
+                        <a:rPr lang="en-US" dirty="0"/>
                         <a:t>$</a:t>
                       </a:r>
                     </a:p>
@@ -7262,15 +7136,15 @@
                     <a:bodyPr/>
                     <a:lstStyle/>
                     <a:p>
-                      <a:endParaRPr lang="en-US" dirty="0" smtClean="0"/>
+                      <a:endParaRPr lang="en-US" dirty="0"/>
                     </a:p>
                     <a:p>
                       <a:r>
-                        <a:rPr lang="en-US" sz="1800" dirty="0" smtClean="0"/>
+                        <a:rPr lang="en-US" sz="1800" dirty="0"/>
                         <a:t>Reduce by F</a:t>
                       </a:r>
                       <a:r>
-                        <a:rPr lang="en-US" sz="1800" dirty="0" smtClean="0">
+                        <a:rPr lang="en-US" sz="1800" dirty="0">
                           <a:sym typeface="Symbol" pitchFamily="18" charset="2"/>
                         </a:rPr>
                         <a:t>id</a:t>
@@ -7278,7 +7152,7 @@
                     </a:p>
                     <a:p>
                       <a:r>
-                        <a:rPr lang="en-US" sz="1800" dirty="0" smtClean="0">
+                        <a:rPr lang="en-US" sz="1800" dirty="0">
                           <a:sym typeface="Symbol" pitchFamily="18" charset="2"/>
                         </a:rPr>
                         <a:t>Reduce by TF                                       </a:t>
@@ -7286,25 +7160,25 @@
                     </a:p>
                     <a:p>
                       <a:r>
-                        <a:rPr lang="en-US" sz="1800" dirty="0" smtClean="0">
+                        <a:rPr lang="en-US" sz="1800" dirty="0">
                           <a:sym typeface="Symbol" pitchFamily="18" charset="2"/>
                         </a:rPr>
                         <a:t>Reduce by</a:t>
                       </a:r>
                       <a:r>
-                        <a:rPr lang="en-US" sz="1800" baseline="0" dirty="0" smtClean="0">
+                        <a:rPr lang="en-US" sz="1800" baseline="0" dirty="0">
                           <a:sym typeface="Symbol" pitchFamily="18" charset="2"/>
                         </a:rPr>
                         <a:t> E</a:t>
                       </a:r>
                       <a:r>
-                        <a:rPr lang="en-US" sz="1800" dirty="0" smtClean="0">
+                        <a:rPr lang="en-US" sz="1800" dirty="0">
                           <a:sym typeface="Symbol" pitchFamily="18" charset="2"/>
                         </a:rPr>
                         <a:t></a:t>
                       </a:r>
                       <a:r>
-                        <a:rPr lang="en-US" sz="1800" baseline="0" dirty="0" smtClean="0">
+                        <a:rPr lang="en-US" sz="1800" baseline="0" dirty="0">
                           <a:sym typeface="Symbol" pitchFamily="18" charset="2"/>
                         </a:rPr>
                         <a:t>T                                                                      </a:t>
@@ -7312,7 +7186,7 @@
                     </a:p>
                     <a:p>
                       <a:r>
-                        <a:rPr lang="en-US" sz="1800" baseline="0" dirty="0" smtClean="0">
+                        <a:rPr lang="en-US" sz="1800" baseline="0" dirty="0">
                           <a:sym typeface="Symbol" pitchFamily="18" charset="2"/>
                         </a:rPr>
                         <a:t>Shift                      </a:t>
@@ -7320,7 +7194,7 @@
                     </a:p>
                     <a:p>
                       <a:r>
-                        <a:rPr lang="en-US" sz="1800" baseline="0" dirty="0" smtClean="0">
+                        <a:rPr lang="en-US" sz="1800" baseline="0" dirty="0">
                           <a:sym typeface="Symbol" pitchFamily="18" charset="2"/>
                         </a:rPr>
                         <a:t>Shift                                            </a:t>
@@ -7328,19 +7202,19 @@
                     </a:p>
                     <a:p>
                       <a:r>
-                        <a:rPr lang="en-US" sz="1800" baseline="0" dirty="0" smtClean="0">
+                        <a:rPr lang="en-US" sz="1800" baseline="0" dirty="0">
                           <a:sym typeface="Symbol" pitchFamily="18" charset="2"/>
                         </a:rPr>
                         <a:t>Reduce by F</a:t>
                       </a:r>
                       <a:r>
-                        <a:rPr lang="en-US" sz="1800" dirty="0" smtClean="0">
+                        <a:rPr lang="en-US" sz="1800" dirty="0">
                           <a:sym typeface="Symbol" pitchFamily="18" charset="2"/>
                         </a:rPr>
                         <a:t></a:t>
                       </a:r>
                       <a:r>
-                        <a:rPr lang="en-US" sz="1800" baseline="0" dirty="0" smtClean="0">
+                        <a:rPr lang="en-US" sz="1800" baseline="0" dirty="0">
                           <a:sym typeface="Symbol" pitchFamily="18" charset="2"/>
                         </a:rPr>
                         <a:t>id</a:t>
@@ -7348,19 +7222,19 @@
                     </a:p>
                     <a:p>
                       <a:r>
-                        <a:rPr lang="en-US" sz="1800" baseline="0" dirty="0" smtClean="0">
+                        <a:rPr lang="en-US" sz="1800" baseline="0" dirty="0">
                           <a:sym typeface="Symbol" pitchFamily="18" charset="2"/>
                         </a:rPr>
                         <a:t>Reduce by T</a:t>
                       </a:r>
                       <a:r>
-                        <a:rPr lang="en-US" sz="1800" dirty="0" smtClean="0">
+                        <a:rPr lang="en-US" sz="1800" dirty="0">
                           <a:sym typeface="Symbol" pitchFamily="18" charset="2"/>
                         </a:rPr>
                         <a:t></a:t>
                       </a:r>
                       <a:r>
-                        <a:rPr lang="en-US" sz="1800" baseline="0" dirty="0" smtClean="0">
+                        <a:rPr lang="en-US" sz="1800" baseline="0" dirty="0">
                           <a:sym typeface="Symbol" pitchFamily="18" charset="2"/>
                         </a:rPr>
                         <a:t>F</a:t>
@@ -7368,7 +7242,7 @@
                     </a:p>
                     <a:p>
                       <a:r>
-                        <a:rPr lang="en-US" sz="1800" baseline="0" dirty="0" smtClean="0">
+                        <a:rPr lang="en-US" sz="1800" baseline="0" dirty="0">
                           <a:sym typeface="Symbol" pitchFamily="18" charset="2"/>
                         </a:rPr>
                         <a:t>Shift</a:t>
@@ -7376,7 +7250,7 @@
                     </a:p>
                     <a:p>
                       <a:r>
-                        <a:rPr lang="en-US" sz="1800" baseline="0" dirty="0" smtClean="0">
+                        <a:rPr lang="en-US" sz="1800" baseline="0" dirty="0">
                           <a:sym typeface="Symbol" pitchFamily="18" charset="2"/>
                         </a:rPr>
                         <a:t>Shift</a:t>
@@ -7384,19 +7258,19 @@
                     </a:p>
                     <a:p>
                       <a:r>
-                        <a:rPr lang="en-US" sz="1800" baseline="0" dirty="0" smtClean="0">
+                        <a:rPr lang="en-US" sz="1800" baseline="0" dirty="0">
                           <a:sym typeface="Symbol" pitchFamily="18" charset="2"/>
                         </a:rPr>
                         <a:t>Reduce by F</a:t>
                       </a:r>
                       <a:r>
-                        <a:rPr lang="en-US" sz="1800" dirty="0" smtClean="0">
+                        <a:rPr lang="en-US" sz="1800" dirty="0">
                           <a:sym typeface="Symbol" pitchFamily="18" charset="2"/>
                         </a:rPr>
                         <a:t></a:t>
                       </a:r>
                       <a:r>
-                        <a:rPr lang="en-US" sz="1800" baseline="0" dirty="0" smtClean="0">
+                        <a:rPr lang="en-US" sz="1800" baseline="0" dirty="0">
                           <a:sym typeface="Symbol" pitchFamily="18" charset="2"/>
                         </a:rPr>
                         <a:t>id</a:t>
@@ -7404,19 +7278,19 @@
                     </a:p>
                     <a:p>
                       <a:r>
-                        <a:rPr lang="en-US" sz="1800" baseline="0" dirty="0" smtClean="0">
+                        <a:rPr lang="en-US" sz="1800" baseline="0" dirty="0">
                           <a:sym typeface="Symbol" pitchFamily="18" charset="2"/>
                         </a:rPr>
                         <a:t>Reduce by T</a:t>
                       </a:r>
                       <a:r>
-                        <a:rPr lang="en-US" sz="1800" dirty="0" smtClean="0">
+                        <a:rPr lang="en-US" sz="1800" dirty="0">
                           <a:sym typeface="Symbol" pitchFamily="18" charset="2"/>
                         </a:rPr>
                         <a:t></a:t>
                       </a:r>
                       <a:r>
-                        <a:rPr lang="en-US" sz="1800" baseline="0" dirty="0" smtClean="0">
+                        <a:rPr lang="en-US" sz="1800" baseline="0" dirty="0">
                           <a:sym typeface="Symbol" pitchFamily="18" charset="2"/>
                         </a:rPr>
                         <a:t>T*F</a:t>
@@ -7424,19 +7298,19 @@
                     </a:p>
                     <a:p>
                       <a:r>
-                        <a:rPr lang="en-US" sz="1800" baseline="0" dirty="0" smtClean="0">
+                        <a:rPr lang="en-US" sz="1800" baseline="0" dirty="0">
                           <a:sym typeface="Symbol" pitchFamily="18" charset="2"/>
                         </a:rPr>
                         <a:t>Reduce by E </a:t>
                       </a:r>
                       <a:r>
-                        <a:rPr lang="en-US" sz="1800" dirty="0" smtClean="0">
+                        <a:rPr lang="en-US" sz="1800" dirty="0">
                           <a:sym typeface="Symbol" pitchFamily="18" charset="2"/>
                         </a:rPr>
                         <a:t></a:t>
                       </a:r>
                       <a:r>
-                        <a:rPr lang="en-US" sz="1800" baseline="0" dirty="0" smtClean="0">
+                        <a:rPr lang="en-US" sz="1800" baseline="0" dirty="0">
                           <a:sym typeface="Symbol" pitchFamily="18" charset="2"/>
                         </a:rPr>
                         <a:t>E+T</a:t>
@@ -7444,7 +7318,7 @@
                     </a:p>
                     <a:p>
                       <a:r>
-                        <a:rPr lang="en-US" sz="1800" baseline="0" dirty="0" smtClean="0">
+                        <a:rPr lang="en-US" sz="1800" baseline="0" dirty="0">
                           <a:sym typeface="Symbol" pitchFamily="18" charset="2"/>
                         </a:rPr>
                         <a:t>Accept</a:t>
@@ -7454,6 +7328,11 @@
                   </a:txBody>
                   <a:tcPr/>
                 </a:tc>
+                <a:extLst>
+                  <a:ext uri="{0D108BD9-81ED-4DB2-BD59-A6C34878D82A}">
+                    <a16:rowId xmlns:a16="http://schemas.microsoft.com/office/drawing/2014/main" val="10001"/>
+                  </a:ext>
+                </a:extLst>
               </a:tr>
             </a:tbl>
           </a:graphicData>
@@ -7482,10 +7361,9 @@
           <a:lstStyle/>
           <a:p>
             <a:r>
-              <a:rPr lang="en-US" dirty="0" smtClean="0"/>
+              <a:rPr lang="en-US" dirty="0"/>
               <a:t>Parse Tree</a:t>
             </a:r>
-            <a:endParaRPr lang="en-US" dirty="0"/>
           </a:p>
         </p:txBody>
       </p:sp>
@@ -7512,15 +7390,15 @@
           <a:lstStyle/>
           <a:p>
             <a:r>
-              <a:rPr lang="en-US" dirty="0" smtClean="0"/>
+              <a:rPr lang="en-US" dirty="0"/>
               <a:t>E</a:t>
             </a:r>
             <a:r>
-              <a:rPr lang="en-US" baseline="30000" dirty="0" smtClean="0"/>
+              <a:rPr lang="en-US" baseline="30000" dirty="0"/>
               <a:t> </a:t>
             </a:r>
             <a:r>
-              <a:rPr lang="en-US" baseline="30000" dirty="0" smtClean="0">
+              <a:rPr lang="en-US" baseline="30000" dirty="0">
                 <a:solidFill>
                   <a:srgbClr val="FF0000"/>
                 </a:solidFill>
@@ -7628,11 +7506,11 @@
           <a:lstStyle/>
           <a:p>
             <a:r>
-              <a:rPr lang="en-US" dirty="0" smtClean="0"/>
+              <a:rPr lang="en-US" dirty="0"/>
               <a:t>E</a:t>
             </a:r>
             <a:r>
-              <a:rPr lang="en-US" baseline="30000" dirty="0" smtClean="0">
+              <a:rPr lang="en-US" baseline="30000" dirty="0">
                 <a:solidFill>
                   <a:srgbClr val="FF0000"/>
                 </a:solidFill>
@@ -7670,22 +7548,17 @@
           <a:lstStyle/>
           <a:p>
             <a:r>
-              <a:rPr lang="en-US" dirty="0" smtClean="0"/>
+              <a:rPr lang="en-US" dirty="0"/>
               <a:t>T </a:t>
             </a:r>
             <a:r>
-              <a:rPr lang="en-US" baseline="30000" dirty="0" smtClean="0">
+              <a:rPr lang="en-US" baseline="30000" dirty="0">
                 <a:solidFill>
                   <a:srgbClr val="FF0000"/>
                 </a:solidFill>
               </a:rPr>
               <a:t>7</a:t>
             </a:r>
-            <a:endParaRPr lang="en-US" baseline="30000" dirty="0">
-              <a:solidFill>
-                <a:srgbClr val="FF0000"/>
-              </a:solidFill>
-            </a:endParaRPr>
           </a:p>
         </p:txBody>
       </p:sp>
@@ -7750,10 +7623,9 @@
           <a:lstStyle/>
           <a:p>
             <a:r>
-              <a:rPr lang="en-US" dirty="0" smtClean="0"/>
+              <a:rPr lang="en-US" dirty="0"/>
               <a:t>+</a:t>
             </a:r>
-            <a:endParaRPr lang="en-US" dirty="0"/>
           </a:p>
         </p:txBody>
       </p:sp>
@@ -7885,15 +7757,15 @@
           <a:lstStyle/>
           <a:p>
             <a:r>
-              <a:rPr lang="en-US" dirty="0" smtClean="0"/>
+              <a:rPr lang="en-US" dirty="0"/>
               <a:t>T</a:t>
             </a:r>
             <a:r>
-              <a:rPr lang="en-US" baseline="30000" dirty="0" smtClean="0"/>
+              <a:rPr lang="en-US" baseline="30000" dirty="0"/>
               <a:t> </a:t>
             </a:r>
             <a:r>
-              <a:rPr lang="en-US" baseline="30000" dirty="0" smtClean="0">
+              <a:rPr lang="en-US" baseline="30000" dirty="0">
                 <a:solidFill>
                   <a:srgbClr val="FF0000"/>
                 </a:solidFill>
@@ -7931,11 +7803,11 @@
           <a:lstStyle/>
           <a:p>
             <a:r>
-              <a:rPr lang="en-US" dirty="0" smtClean="0"/>
+              <a:rPr lang="en-US" dirty="0"/>
               <a:t>F </a:t>
             </a:r>
             <a:r>
-              <a:rPr lang="en-US" baseline="30000" dirty="0" smtClean="0">
+              <a:rPr lang="en-US" baseline="30000" dirty="0">
                 <a:solidFill>
                   <a:srgbClr val="FF0000"/>
                 </a:solidFill>
@@ -8002,11 +7874,11 @@
           <a:lstStyle/>
           <a:p>
             <a:r>
-              <a:rPr lang="en-US" dirty="0" smtClean="0"/>
+              <a:rPr lang="en-US" dirty="0"/>
               <a:t>F </a:t>
             </a:r>
             <a:r>
-              <a:rPr lang="en-US" baseline="30000" dirty="0" smtClean="0">
+              <a:rPr lang="en-US" baseline="30000" dirty="0">
                 <a:solidFill>
                   <a:srgbClr val="FF0000"/>
                 </a:solidFill>
@@ -8044,7 +7916,7 @@
           <a:lstStyle/>
           <a:p>
             <a:r>
-              <a:rPr lang="en-US" dirty="0" smtClean="0"/>
+              <a:rPr lang="en-US" dirty="0"/>
               <a:t>F </a:t>
             </a:r>
             <a:r>
@@ -8086,15 +7958,15 @@
           <a:lstStyle/>
           <a:p>
             <a:r>
-              <a:rPr lang="en-US" dirty="0" smtClean="0"/>
+              <a:rPr lang="en-US" dirty="0"/>
               <a:t>T</a:t>
             </a:r>
             <a:r>
-              <a:rPr lang="en-US" baseline="30000" dirty="0" smtClean="0"/>
+              <a:rPr lang="en-US" baseline="30000" dirty="0"/>
               <a:t> </a:t>
             </a:r>
             <a:r>
-              <a:rPr lang="en-US" baseline="30000" dirty="0" smtClean="0">
+              <a:rPr lang="en-US" baseline="30000" dirty="0">
                 <a:solidFill>
                   <a:srgbClr val="FF0000"/>
                 </a:solidFill>
@@ -8132,10 +8004,9 @@
           <a:lstStyle/>
           <a:p>
             <a:r>
-              <a:rPr lang="en-US" dirty="0" smtClean="0"/>
+              <a:rPr lang="en-US" dirty="0"/>
               <a:t> id </a:t>
             </a:r>
-            <a:endParaRPr lang="en-US" dirty="0"/>
           </a:p>
         </p:txBody>
       </p:sp>
@@ -8162,10 +8033,9 @@
           <a:lstStyle/>
           <a:p>
             <a:r>
-              <a:rPr lang="en-US" dirty="0" smtClean="0"/>
+              <a:rPr lang="en-US" dirty="0"/>
               <a:t>id</a:t>
             </a:r>
-            <a:endParaRPr lang="en-US" dirty="0"/>
           </a:p>
         </p:txBody>
       </p:sp>
@@ -8192,10 +8062,9 @@
           <a:lstStyle/>
           <a:p>
             <a:r>
-              <a:rPr lang="en-US" dirty="0" smtClean="0"/>
+              <a:rPr lang="en-US" dirty="0"/>
               <a:t>id</a:t>
             </a:r>
-            <a:endParaRPr lang="en-US" dirty="0"/>
           </a:p>
         </p:txBody>
       </p:sp>
@@ -8429,20 +8298,13 @@
     </p:spTree>
     <p:extLst>
       <p:ext uri="{BB962C8B-B14F-4D97-AF65-F5344CB8AC3E}">
-        <p14:creationId xmlns:p14="http://schemas.microsoft.com/office/powerpoint/2010/main" xmlns="" val="2935387608"/>
+        <p14:creationId xmlns:p14="http://schemas.microsoft.com/office/powerpoint/2010/main" val="2935387608"/>
       </p:ext>
     </p:extLst>
   </p:cSld>
   <p:clrMapOvr>
     <a:masterClrMapping/>
   </p:clrMapOvr>
-  <p:timing>
-    <p:tnLst>
-      <p:par>
-        <p:cTn id="1" dur="indefinite" restart="never" nodeType="tmRoot"/>
-      </p:par>
-    </p:tnLst>
-  </p:timing>
 </p:sld>
 </file>
 
@@ -8486,7 +8348,7 @@
           <a:lstStyle/>
           <a:p>
             <a:r>
-              <a:rPr lang="en-US" dirty="0" smtClean="0"/>
+              <a:rPr lang="en-US" dirty="0"/>
               <a:t>Parsing – Types </a:t>
             </a:r>
             <a:endParaRPr lang="en-GB" dirty="0"/>
@@ -8545,13 +8407,6 @@
   <p:clrMapOvr>
     <a:masterClrMapping/>
   </p:clrMapOvr>
-  <p:timing>
-    <p:tnLst>
-      <p:par>
-        <p:cTn id="1" dur="indefinite" restart="never" nodeType="tmRoot"/>
-      </p:par>
-    </p:tnLst>
-  </p:timing>
 </p:sld>
 </file>
 
@@ -8593,7 +8448,7 @@
           <a:lstStyle/>
           <a:p>
             <a:r>
-              <a:rPr lang="en-US" dirty="0" smtClean="0"/>
+              <a:rPr lang="en-US" dirty="0"/>
               <a:t>Bottom up parsing</a:t>
             </a:r>
             <a:endParaRPr lang="en-GB" dirty="0"/>
@@ -8619,44 +8474,47 @@
           <a:p>
             <a:pPr algn="just"/>
             <a:r>
-              <a:rPr lang="en-US" sz="1900" dirty="0" smtClean="0"/>
-              <a:t>Also known as Shift- Reduce parsing</a:t>
-            </a:r>
-            <a:r>
-              <a:rPr lang="en-US" sz="1900" dirty="0" smtClean="0"/>
-              <a:t>.</a:t>
+              <a:rPr lang="en-US" sz="1900" dirty="0"/>
+              <a:t>Also known as Shift- Reduce parsing.</a:t>
             </a:r>
           </a:p>
           <a:p>
             <a:pPr algn="just">
               <a:buNone/>
             </a:pPr>
-            <a:endParaRPr lang="en-US" sz="1900" dirty="0" smtClean="0"/>
+            <a:endParaRPr lang="en-US" sz="1900" dirty="0"/>
           </a:p>
           <a:p>
             <a:pPr algn="just"/>
             <a:r>
-              <a:rPr lang="en-US" sz="1900" dirty="0" smtClean="0"/>
-              <a:t>It attempts to construct a parse tree from an input string beginning at the leaf nodes and working up towards the root node</a:t>
-            </a:r>
-            <a:r>
-              <a:rPr lang="en-US" sz="1900" dirty="0" smtClean="0"/>
-              <a:t>.</a:t>
+              <a:rPr lang="en-US" sz="1900" dirty="0"/>
+              <a:t>It attempts to construct a parse tree from an input string beginning at the leaf nodes and working up towards the root node.</a:t>
             </a:r>
           </a:p>
           <a:p>
             <a:pPr algn="just">
               <a:buNone/>
             </a:pPr>
-            <a:endParaRPr lang="en-US" sz="1900" dirty="0" smtClean="0"/>
+            <a:endParaRPr lang="en-US" sz="1900" dirty="0"/>
           </a:p>
           <a:p>
             <a:pPr algn="just"/>
             <a:r>
-              <a:rPr lang="en-US" sz="1900" dirty="0" smtClean="0"/>
+              <a:rPr lang="en-US" sz="1900" dirty="0"/>
               <a:t>At each step, a particular substring matching the right side of a production is replaced by a symbol on the left side of that production and if chosen correctly at each step, a rightmost production is traced out in reverse.</a:t>
             </a:r>
-            <a:endParaRPr lang="en-GB" sz="1900" dirty="0" smtClean="0"/>
+          </a:p>
+          <a:p>
+            <a:pPr algn="just"/>
+            <a:r>
+              <a:rPr lang="en-US" sz="1900"/>
+              <a:t>LL®- “</a:t>
+            </a:r>
+            <a:r>
+              <a:rPr lang="en-US" sz="1900" dirty="0"/>
+              <a:t>L" is for left-to-right scanning of the input, the “R" for constructing a rightmost derivation in reverse, and the k for the number of input symbols of lookahead that are used in making parsing decisions.</a:t>
+            </a:r>
+            <a:endParaRPr lang="en-GB" sz="1900" dirty="0"/>
           </a:p>
         </p:txBody>
       </p:sp>
@@ -8665,13 +8523,6 @@
   <p:clrMapOvr>
     <a:masterClrMapping/>
   </p:clrMapOvr>
-  <p:timing>
-    <p:tnLst>
-      <p:par>
-        <p:cTn id="1" dur="indefinite" restart="never" nodeType="tmRoot"/>
-      </p:par>
-    </p:tnLst>
-  </p:timing>
 </p:sld>
 </file>
 
@@ -8716,10 +8567,9 @@
           <a:p>
             <a:pPr algn="ctr"/>
             <a:r>
-              <a:rPr lang="en-US" sz="3600" dirty="0" smtClean="0"/>
+              <a:rPr lang="en-US" sz="3600" dirty="0"/>
               <a:t>Bottom-Up Parsing</a:t>
             </a:r>
-            <a:endParaRPr lang="en-US" sz="3600" dirty="0"/>
           </a:p>
         </p:txBody>
       </p:sp>
@@ -8759,7 +8609,7 @@
               <a:buChar char="o"/>
             </a:pPr>
             <a:r>
-              <a:rPr lang="en-US" sz="1900" dirty="0" smtClean="0">
+              <a:rPr lang="en-US" sz="1900" dirty="0">
                 <a:solidFill>
                   <a:srgbClr val="0070C0"/>
                 </a:solidFill>
@@ -8767,7 +8617,7 @@
               <a:t>Bottom-Up Parser : </a:t>
             </a:r>
             <a:r>
-              <a:rPr lang="en-US" sz="1900" dirty="0" smtClean="0"/>
+              <a:rPr lang="en-US" sz="1900" dirty="0"/>
               <a:t>Constructs a parse tree for an input string beginning at the leaves(the bottom) and working up towards the root(the top)</a:t>
             </a:r>
           </a:p>
@@ -8783,7 +8633,7 @@
               <a:buChar char="o"/>
             </a:pPr>
             <a:r>
-              <a:rPr lang="en-US" sz="1900" dirty="0" smtClean="0"/>
+              <a:rPr lang="en-US" sz="1900" dirty="0"/>
               <a:t>We can think of this process as one of “reducing” a string w to the start symbol of a grammar</a:t>
             </a:r>
           </a:p>
@@ -8833,15 +8683,7 @@
                   <a:schemeClr val="accent2"/>
                 </a:solidFill>
               </a:rPr>
-              <a:t>At each shift action, the current symbol in the input string is pushed to a </a:t>
-            </a:r>
-            <a:r>
-              <a:rPr lang="en-US" sz="1800" dirty="0" smtClean="0">
-                <a:solidFill>
-                  <a:schemeClr val="accent2"/>
-                </a:solidFill>
-              </a:rPr>
-              <a:t>stack.</a:t>
+              <a:t>At each shift action, the current symbol in the input string is pushed to a stack.</a:t>
             </a:r>
           </a:p>
           <a:p>
@@ -8853,20 +8695,12 @@
               <a:buChar char="q"/>
             </a:pPr>
             <a:r>
-              <a:rPr lang="en-US" sz="1800" dirty="0" smtClean="0">
-                <a:solidFill>
-                  <a:schemeClr val="accent2"/>
-                </a:solidFill>
-              </a:rPr>
-              <a:t>At </a:t>
-            </a:r>
-            <a:r>
               <a:rPr lang="en-US" sz="1800" dirty="0">
                 <a:solidFill>
                   <a:schemeClr val="accent2"/>
                 </a:solidFill>
               </a:rPr>
-              <a:t>each reduction step, the symbols at the top of the stack (this symbol sequence is the right side of a production) will replaced by the non-terminal at the left side of that production.</a:t>
+              <a:t>At each reduction step, the symbols at the top of the stack (this symbol sequence is the right side of a production) will replaced by the non-terminal at the left side of that production.</a:t>
             </a:r>
           </a:p>
           <a:p>
@@ -8881,28 +8715,13 @@
     </p:spTree>
     <p:extLst>
       <p:ext uri="{BB962C8B-B14F-4D97-AF65-F5344CB8AC3E}">
-        <p14:creationId xmlns:p14="http://schemas.microsoft.com/office/powerpoint/2010/main" xmlns="" val="393534730"/>
+        <p14:creationId xmlns:p14="http://schemas.microsoft.com/office/powerpoint/2010/main" val="393534730"/>
       </p:ext>
     </p:extLst>
   </p:cSld>
   <p:clrMapOvr>
     <a:masterClrMapping/>
   </p:clrMapOvr>
-  <mc:AlternateContent xmlns:mc="http://schemas.openxmlformats.org/markup-compatibility/2006">
-    <mc:Choice xmlns:p14="http://schemas.microsoft.com/office/powerpoint/2010/main" xmlns="" Requires="p14">
-      <p:transition spd="slow" p14:dur="2000"/>
-    </mc:Choice>
-    <mc:Fallback>
-      <p:transition spd="slow"/>
-    </mc:Fallback>
-  </mc:AlternateContent>
-  <p:timing>
-    <p:tnLst>
-      <p:par>
-        <p:cTn id="1" dur="indefinite" restart="never" nodeType="tmRoot"/>
-      </p:par>
-    </p:tnLst>
-  </p:timing>
 </p:sld>
 </file>
 
@@ -8947,10 +8766,9 @@
           <a:p>
             <a:pPr algn="ctr"/>
             <a:r>
-              <a:rPr lang="en-US" sz="3500" dirty="0" smtClean="0"/>
+              <a:rPr lang="en-US" sz="3500" dirty="0"/>
               <a:t>Shift-Reduce Parsing</a:t>
             </a:r>
-            <a:endParaRPr lang="en-US" sz="3500" dirty="0"/>
           </a:p>
         </p:txBody>
       </p:sp>
@@ -9018,11 +8836,7 @@
             </a:r>
             <a:r>
               <a:rPr lang="en-US" sz="1600" dirty="0"/>
-              <a:t>reduced </a:t>
-            </a:r>
-            <a:r>
-              <a:rPr lang="en-US" sz="1600" dirty="0" smtClean="0"/>
-              <a:t>to</a:t>
+              <a:t>reduced to</a:t>
             </a:r>
           </a:p>
           <a:p>
@@ -9061,17 +8875,8 @@
               <a:rPr lang="en-US" sz="2000" dirty="0">
                 <a:sym typeface="Symbol" pitchFamily="18" charset="2"/>
               </a:rPr>
-              <a:t> </a:t>
-            </a:r>
-            <a:r>
-              <a:rPr lang="en-US" sz="2000" dirty="0" smtClean="0">
-                <a:sym typeface="Symbol" pitchFamily="18" charset="2"/>
-              </a:rPr>
-              <a:t></a:t>
-            </a:r>
-            <a:endParaRPr lang="en-US" sz="2000" dirty="0">
-              <a:sym typeface="Symbol" pitchFamily="18" charset="2"/>
-            </a:endParaRPr>
+              <a:t> </a:t>
+            </a:r>
           </a:p>
           <a:p>
             <a:pPr>
@@ -9091,19 +8896,7 @@
               <a:rPr lang="en-US" sz="2000" dirty="0">
                 <a:sym typeface="Symbol" pitchFamily="18" charset="2"/>
               </a:rPr>
-              <a:t>		Shift-Reduce Parser finds: 	</a:t>
-            </a:r>
-            <a:r>
-              <a:rPr lang="en-US" sz="2000" dirty="0" smtClean="0">
-                <a:sym typeface="Symbol" pitchFamily="18" charset="2"/>
-              </a:rPr>
-              <a:t> </a:t>
-            </a:r>
-            <a:r>
-              <a:rPr lang="en-US" sz="2000" dirty="0">
-                <a:sym typeface="Symbol" pitchFamily="18" charset="2"/>
-              </a:rPr>
-              <a:t> ...  S</a:t>
+              <a:t>		Shift-Reduce Parser finds: 	  ...  S</a:t>
             </a:r>
           </a:p>
           <a:p>
@@ -9146,7 +8939,7 @@
           <a:lstStyle/>
           <a:p>
             <a:r>
-              <a:rPr lang="en-US" sz="1000" dirty="0" err="1" smtClean="0"/>
+              <a:rPr lang="en-US" sz="1000" dirty="0" err="1"/>
               <a:t>rm</a:t>
             </a:r>
             <a:endParaRPr lang="en-US" sz="1000" dirty="0"/>
@@ -9176,7 +8969,7 @@
           <a:lstStyle/>
           <a:p>
             <a:r>
-              <a:rPr lang="en-US" sz="1000" dirty="0" err="1" smtClean="0"/>
+              <a:rPr lang="en-US" sz="1000" dirty="0" err="1"/>
               <a:t>rm</a:t>
             </a:r>
             <a:endParaRPr lang="en-US" sz="1000" dirty="0"/>
@@ -9206,7 +8999,7 @@
           <a:lstStyle/>
           <a:p>
             <a:r>
-              <a:rPr lang="en-US" sz="1000" dirty="0" err="1" smtClean="0"/>
+              <a:rPr lang="en-US" sz="1000" dirty="0" err="1"/>
               <a:t>rm</a:t>
             </a:r>
             <a:endParaRPr lang="en-US" sz="1000" dirty="0"/>
@@ -9236,30 +9029,22 @@
           <a:lstStyle/>
           <a:p>
             <a:r>
-              <a:rPr lang="en-US" sz="1300" dirty="0" smtClean="0"/>
+              <a:rPr lang="en-US" sz="1300" dirty="0"/>
               <a:t>*</a:t>
             </a:r>
-            <a:endParaRPr lang="en-US" sz="1300" dirty="0"/>
           </a:p>
         </p:txBody>
       </p:sp>
     </p:spTree>
     <p:extLst>
       <p:ext uri="{BB962C8B-B14F-4D97-AF65-F5344CB8AC3E}">
-        <p14:creationId xmlns:p14="http://schemas.microsoft.com/office/powerpoint/2010/main" xmlns="" val="2053462185"/>
+        <p14:creationId xmlns:p14="http://schemas.microsoft.com/office/powerpoint/2010/main" val="2053462185"/>
       </p:ext>
     </p:extLst>
   </p:cSld>
   <p:clrMapOvr>
     <a:masterClrMapping/>
   </p:clrMapOvr>
-  <p:timing>
-    <p:tnLst>
-      <p:par>
-        <p:cTn id="1" dur="indefinite" restart="never" nodeType="tmRoot"/>
-      </p:par>
-    </p:tnLst>
-  </p:timing>
 </p:sld>
 </file>
 
@@ -9304,10 +9089,9 @@
           <a:p>
             <a:pPr algn="ctr"/>
             <a:r>
-              <a:rPr lang="en-US" sz="3100" dirty="0" smtClean="0"/>
+              <a:rPr lang="en-US" sz="3100" dirty="0"/>
               <a:t>Shift–Reduce Parsing-Example</a:t>
             </a:r>
-            <a:endParaRPr lang="en-US" sz="3100" dirty="0"/>
           </a:p>
         </p:txBody>
       </p:sp>
@@ -9338,11 +9122,11 @@
               <a:buChar char="o"/>
             </a:pPr>
             <a:r>
-              <a:rPr lang="en-US" sz="1900" dirty="0" smtClean="0"/>
+              <a:rPr lang="en-US" sz="1900" dirty="0"/>
               <a:t>Consider the grammar                                   Input string :  </a:t>
             </a:r>
             <a:r>
-              <a:rPr lang="en-US" sz="1700" dirty="0" smtClean="0">
+              <a:rPr lang="en-US" sz="1700" dirty="0">
                 <a:latin typeface="Goudy Old Style" pitchFamily="18" charset="0"/>
               </a:rPr>
               <a:t>abbcde</a:t>
@@ -9353,17 +9137,17 @@
               <a:buNone/>
             </a:pPr>
             <a:r>
-              <a:rPr lang="en-US" sz="1900" dirty="0" smtClean="0"/>
+              <a:rPr lang="en-US" sz="1900" dirty="0"/>
               <a:t>      S         aABe                                                                                </a:t>
             </a:r>
             <a:r>
-              <a:rPr lang="en-US" sz="1700" dirty="0" smtClean="0">
+              <a:rPr lang="en-US" sz="1700" dirty="0">
                 <a:latin typeface="Goudy Old Style" pitchFamily="18" charset="0"/>
               </a:rPr>
               <a:t>a</a:t>
             </a:r>
             <a:r>
-              <a:rPr lang="en-US" sz="1700" dirty="0" smtClean="0">
+              <a:rPr lang="en-US" sz="1700" dirty="0">
                 <a:solidFill>
                   <a:srgbClr val="FF0000"/>
                 </a:solidFill>
@@ -9372,7 +9156,7 @@
               <a:t>A</a:t>
             </a:r>
             <a:r>
-              <a:rPr lang="en-US" sz="1700" dirty="0" smtClean="0">
+              <a:rPr lang="en-US" sz="1700" dirty="0">
                 <a:latin typeface="Goudy Old Style" pitchFamily="18" charset="0"/>
               </a:rPr>
               <a:t>bcde</a:t>
@@ -9383,25 +9167,17 @@
               <a:buNone/>
             </a:pPr>
             <a:r>
-              <a:rPr lang="en-US" sz="1900" dirty="0" smtClean="0"/>
-              <a:t>      A         Abc</a:t>
-            </a:r>
-            <a:r>
               <a:rPr lang="en-US" sz="1900" dirty="0"/>
-              <a:t> </a:t>
-            </a:r>
-            <a:r>
-              <a:rPr lang="en-US" sz="1900" dirty="0" smtClean="0"/>
-              <a:t>| b                                                                            </a:t>
-            </a:r>
-            <a:r>
-              <a:rPr lang="en-US" sz="1700" dirty="0" smtClean="0">
+              <a:t>      A         Abc | b                                                                            </a:t>
+            </a:r>
+            <a:r>
+              <a:rPr lang="en-US" sz="1700" dirty="0">
                 <a:latin typeface="Goudy Old Style" pitchFamily="18" charset="0"/>
               </a:rPr>
               <a:t>a</a:t>
             </a:r>
             <a:r>
-              <a:rPr lang="en-US" sz="1700" dirty="0" smtClean="0">
+              <a:rPr lang="en-US" sz="1700" dirty="0">
                 <a:solidFill>
                   <a:srgbClr val="FF0000"/>
                 </a:solidFill>
@@ -9410,26 +9186,26 @@
               <a:t>A</a:t>
             </a:r>
             <a:r>
-              <a:rPr lang="en-US" sz="1700" dirty="0" smtClean="0">
+              <a:rPr lang="en-US" sz="1700" dirty="0">
                 <a:latin typeface="Goudy Old Style" pitchFamily="18" charset="0"/>
               </a:rPr>
               <a:t>de         </a:t>
             </a:r>
             <a:r>
-              <a:rPr lang="en-US" sz="1500" dirty="0" smtClean="0">
+              <a:rPr lang="en-US" sz="1500" dirty="0">
                 <a:latin typeface="Courier New" pitchFamily="49" charset="0"/>
                 <a:sym typeface="Symbol" pitchFamily="18" charset="2"/>
               </a:rPr>
               <a:t> </a:t>
             </a:r>
             <a:r>
-              <a:rPr lang="en-US" sz="1500" dirty="0" smtClean="0">
+              <a:rPr lang="en-US" sz="1500" dirty="0">
                 <a:sym typeface="Symbol" pitchFamily="18" charset="2"/>
               </a:rPr>
               <a:t>reduction</a:t>
             </a:r>
             <a:r>
-              <a:rPr lang="en-US" sz="1500" dirty="0" smtClean="0">
+              <a:rPr lang="en-US" sz="1500" dirty="0">
                 <a:latin typeface="Goudy Old Style" pitchFamily="18" charset="0"/>
               </a:rPr>
               <a:t>         </a:t>
@@ -9440,17 +9216,17 @@
               <a:buNone/>
             </a:pPr>
             <a:r>
-              <a:rPr lang="en-US" sz="1900" dirty="0" smtClean="0"/>
+              <a:rPr lang="en-US" sz="1900" dirty="0"/>
               <a:t>      B         d					               </a:t>
             </a:r>
             <a:r>
-              <a:rPr lang="en-US" sz="1700" dirty="0" smtClean="0">
+              <a:rPr lang="en-US" sz="1700" dirty="0">
                 <a:latin typeface="Goudy Old Style" pitchFamily="18" charset="0"/>
               </a:rPr>
               <a:t>a</a:t>
             </a:r>
             <a:r>
-              <a:rPr lang="en-US" sz="1700" dirty="0" smtClean="0">
+              <a:rPr lang="en-US" sz="1700" dirty="0">
                 <a:solidFill>
                   <a:srgbClr val="FF0000"/>
                 </a:solidFill>
@@ -9459,7 +9235,7 @@
               <a:t>AB</a:t>
             </a:r>
             <a:r>
-              <a:rPr lang="en-US" sz="1700" dirty="0" smtClean="0">
+              <a:rPr lang="en-US" sz="1700" dirty="0">
                 <a:latin typeface="Goudy Old Style" pitchFamily="18" charset="0"/>
               </a:rPr>
               <a:t>e   </a:t>
@@ -9471,20 +9247,16 @@
             </a:pPr>
             <a:r>
               <a:rPr lang="en-US" sz="1900" dirty="0"/>
-              <a:t>	</a:t>
-            </a:r>
-            <a:r>
-              <a:rPr lang="en-US" sz="1900" dirty="0" smtClean="0"/>
-              <a:t>						</a:t>
-            </a:r>
-            <a:r>
-              <a:rPr lang="en-US" sz="1700" dirty="0" smtClean="0">
+              <a:t>							</a:t>
+            </a:r>
+            <a:r>
+              <a:rPr lang="en-US" sz="1700" dirty="0">
                 <a:latin typeface="Goudy Old Style" pitchFamily="18" charset="0"/>
               </a:rPr>
               <a:t>S</a:t>
             </a:r>
             <a:r>
-              <a:rPr lang="en-US" sz="1900" dirty="0" smtClean="0"/>
+              <a:rPr lang="en-US" sz="1900" dirty="0"/>
               <a:t>	</a:t>
             </a:r>
           </a:p>
@@ -9496,305 +9268,217 @@
               <a:buNone/>
             </a:pPr>
             <a:r>
-              <a:rPr lang="en-US" sz="1700" dirty="0" smtClean="0"/>
+              <a:rPr lang="en-US" sz="1700" dirty="0"/>
               <a:t>We can scan </a:t>
             </a:r>
             <a:r>
-              <a:rPr lang="en-US" sz="1700" i="1" dirty="0" smtClean="0"/>
+              <a:rPr lang="en-US" sz="1700" i="1" dirty="0"/>
               <a:t>abbcde</a:t>
             </a:r>
             <a:r>
-              <a:rPr lang="en-US" sz="1700" dirty="0" smtClean="0"/>
-              <a:t> looking for a substring that matches the right side of some production</a:t>
-            </a:r>
-            <a:r>
-              <a:rPr lang="en-US" sz="1700" dirty="0" smtClean="0"/>
-              <a:t>. The </a:t>
-            </a:r>
-            <a:r>
-              <a:rPr lang="en-US" sz="1700" dirty="0" smtClean="0"/>
-              <a:t>substrings </a:t>
-            </a:r>
-            <a:r>
-              <a:rPr lang="en-US" sz="1700" i="1" dirty="0" smtClean="0"/>
+              <a:rPr lang="en-US" sz="1700" dirty="0"/>
+              <a:t> looking for a substring that matches the right side of some production. The substrings </a:t>
+            </a:r>
+            <a:r>
+              <a:rPr lang="en-US" sz="1700" i="1" dirty="0"/>
               <a:t>b</a:t>
             </a:r>
             <a:r>
-              <a:rPr lang="en-US" sz="1700" dirty="0" smtClean="0"/>
+              <a:rPr lang="en-US" sz="1700" dirty="0"/>
               <a:t> and </a:t>
             </a:r>
             <a:r>
-              <a:rPr lang="en-US" sz="1700" i="1" dirty="0" smtClean="0"/>
+              <a:rPr lang="en-US" sz="1700" i="1" dirty="0"/>
               <a:t>d</a:t>
             </a:r>
             <a:r>
-              <a:rPr lang="en-US" sz="1700" dirty="0" smtClean="0"/>
+              <a:rPr lang="en-US" sz="1700" dirty="0"/>
               <a:t> qualify.Let us choose left most </a:t>
             </a:r>
             <a:r>
-              <a:rPr lang="en-US" sz="1700" i="1" dirty="0" smtClean="0"/>
+              <a:rPr lang="en-US" sz="1700" i="1" dirty="0"/>
               <a:t>b </a:t>
             </a:r>
             <a:r>
-              <a:rPr lang="en-US" sz="1700" dirty="0" smtClean="0"/>
-              <a:t>and </a:t>
-            </a:r>
-            <a:r>
-              <a:rPr lang="en-US" sz="1700" dirty="0" smtClean="0"/>
-              <a:t>replace it by </a:t>
-            </a:r>
-            <a:r>
-              <a:rPr lang="en-US" sz="1700" i="1" dirty="0" smtClean="0"/>
+              <a:rPr lang="en-US" sz="1700" dirty="0"/>
+              <a:t>and replace it by </a:t>
+            </a:r>
+            <a:r>
+              <a:rPr lang="en-US" sz="1700" i="1" dirty="0"/>
               <a:t>A</a:t>
             </a:r>
             <a:r>
-              <a:rPr lang="en-US" sz="1700" dirty="0" smtClean="0"/>
-              <a:t>, the </a:t>
-            </a:r>
-            <a:r>
-              <a:rPr lang="en-US" sz="1700" dirty="0" smtClean="0"/>
-              <a:t>left side of the production </a:t>
-            </a:r>
-            <a:r>
-              <a:rPr lang="en-US" sz="1700" dirty="0" err="1" smtClean="0"/>
+              <a:rPr lang="en-US" sz="1700" dirty="0"/>
+              <a:t>, the left side of the production </a:t>
+            </a:r>
+            <a:r>
+              <a:rPr lang="en-US" sz="1700" dirty="0" err="1"/>
               <a:t>A</a:t>
             </a:r>
             <a:r>
-              <a:rPr lang="en-US" sz="1700" dirty="0" err="1" smtClean="0">
+              <a:rPr lang="en-US" sz="1700" dirty="0" err="1">
                 <a:sym typeface="Wingdings" pitchFamily="2" charset="2"/>
               </a:rPr>
               <a:t>b</a:t>
             </a:r>
             <a:r>
-              <a:rPr lang="en-US" sz="1700" dirty="0" smtClean="0">
+              <a:rPr lang="en-US" sz="1700" dirty="0">
                 <a:sym typeface="Wingdings" pitchFamily="2" charset="2"/>
               </a:rPr>
-              <a:t>; we </a:t>
-            </a:r>
-            <a:r>
-              <a:rPr lang="en-US" sz="1700" dirty="0" smtClean="0">
+              <a:t>; we thus obtain the string </a:t>
+            </a:r>
+            <a:r>
+              <a:rPr lang="en-US" sz="1700" i="1" dirty="0" err="1">
                 <a:sym typeface="Wingdings" pitchFamily="2" charset="2"/>
               </a:rPr>
-              <a:t>thus obtain the string </a:t>
-            </a:r>
-            <a:r>
-              <a:rPr lang="en-US" sz="1700" i="1" dirty="0" err="1" smtClean="0">
+              <a:t>aAbcde</a:t>
+            </a:r>
+            <a:r>
+              <a:rPr lang="en-US" sz="1700" dirty="0">
                 <a:sym typeface="Wingdings" pitchFamily="2" charset="2"/>
               </a:rPr>
-              <a:t>aAbcde</a:t>
-            </a:r>
-            <a:r>
-              <a:rPr lang="en-US" sz="1700" dirty="0" smtClean="0">
+              <a:t>. Now the substrings </a:t>
+            </a:r>
+            <a:r>
+              <a:rPr lang="en-US" sz="1700" i="1" dirty="0" err="1">
                 <a:sym typeface="Wingdings" pitchFamily="2" charset="2"/>
               </a:rPr>
-              <a:t>. Now </a:t>
-            </a:r>
-            <a:r>
-              <a:rPr lang="en-US" sz="1700" dirty="0" smtClean="0">
+              <a:t>Abc</a:t>
+            </a:r>
+            <a:r>
+              <a:rPr lang="en-US" sz="1700" dirty="0">
                 <a:sym typeface="Wingdings" pitchFamily="2" charset="2"/>
               </a:rPr>
-              <a:t>the substrings </a:t>
-            </a:r>
-            <a:r>
-              <a:rPr lang="en-US" sz="1700" i="1" dirty="0" err="1" smtClean="0">
+              <a:t>, </a:t>
+            </a:r>
+            <a:r>
+              <a:rPr lang="en-US" sz="1700" i="1" dirty="0">
                 <a:sym typeface="Wingdings" pitchFamily="2" charset="2"/>
               </a:rPr>
+              <a:t>b</a:t>
+            </a:r>
+            <a:r>
+              <a:rPr lang="en-US" sz="1700" dirty="0">
+                <a:sym typeface="Wingdings" pitchFamily="2" charset="2"/>
+              </a:rPr>
+              <a:t> and </a:t>
+            </a:r>
+            <a:r>
+              <a:rPr lang="en-US" sz="1700" i="1" dirty="0">
+                <a:sym typeface="Wingdings" pitchFamily="2" charset="2"/>
+              </a:rPr>
+              <a:t>d</a:t>
+            </a:r>
+            <a:r>
+              <a:rPr lang="en-US" sz="1700" dirty="0">
+                <a:sym typeface="Wingdings" pitchFamily="2" charset="2"/>
+              </a:rPr>
+              <a:t> match the right side of some production. Although b is the leftmost substring that matches the right side of the some production, we choose to replace the substring </a:t>
+            </a:r>
+            <a:r>
+              <a:rPr lang="en-US" sz="1700" i="1" dirty="0">
+                <a:sym typeface="Wingdings" pitchFamily="2" charset="2"/>
+              </a:rPr>
               <a:t>Abc</a:t>
             </a:r>
             <a:r>
-              <a:rPr lang="en-US" sz="1700" dirty="0" smtClean="0">
+              <a:rPr lang="en-US" sz="1700" dirty="0">
                 <a:sym typeface="Wingdings" pitchFamily="2" charset="2"/>
               </a:rPr>
-              <a:t>, </a:t>
-            </a:r>
-            <a:r>
-              <a:rPr lang="en-US" sz="1700" i="1" dirty="0" smtClean="0">
+              <a:t> by </a:t>
+            </a:r>
+            <a:r>
+              <a:rPr lang="en-US" sz="1700" i="1" dirty="0">
                 <a:sym typeface="Wingdings" pitchFamily="2" charset="2"/>
               </a:rPr>
-              <a:t>b</a:t>
-            </a:r>
-            <a:r>
-              <a:rPr lang="en-US" sz="1700" dirty="0" smtClean="0">
+              <a:t>A</a:t>
+            </a:r>
+            <a:r>
+              <a:rPr lang="en-US" sz="1700" dirty="0">
                 <a:sym typeface="Wingdings" pitchFamily="2" charset="2"/>
               </a:rPr>
-              <a:t> </a:t>
-            </a:r>
-            <a:r>
-              <a:rPr lang="en-US" sz="1700" dirty="0" smtClean="0">
+              <a:t>, the left side of the production </a:t>
+            </a:r>
+            <a:r>
+              <a:rPr lang="en-US" sz="1700" dirty="0" err="1">
                 <a:sym typeface="Wingdings" pitchFamily="2" charset="2"/>
               </a:rPr>
-              <a:t>and </a:t>
-            </a:r>
-            <a:r>
-              <a:rPr lang="en-US" sz="1700" i="1" dirty="0" smtClean="0">
+              <a:t>AAbc</a:t>
+            </a:r>
+            <a:r>
+              <a:rPr lang="en-US" sz="1700" dirty="0">
                 <a:sym typeface="Wingdings" pitchFamily="2" charset="2"/>
               </a:rPr>
+              <a:t>. We obtain </a:t>
+            </a:r>
+            <a:r>
+              <a:rPr lang="en-US" sz="1700" i="1" dirty="0" err="1">
+                <a:sym typeface="Wingdings" pitchFamily="2" charset="2"/>
+              </a:rPr>
+              <a:t>aAde</a:t>
+            </a:r>
+            <a:r>
+              <a:rPr lang="en-US" sz="1700" dirty="0">
+                <a:sym typeface="Wingdings" pitchFamily="2" charset="2"/>
+              </a:rPr>
+              <a:t>. Then replacing </a:t>
+            </a:r>
+            <a:r>
+              <a:rPr lang="en-US" sz="1700" i="1" dirty="0">
+                <a:sym typeface="Wingdings" pitchFamily="2" charset="2"/>
+              </a:rPr>
               <a:t>d</a:t>
             </a:r>
             <a:r>
-              <a:rPr lang="en-US" sz="1700" dirty="0" smtClean="0">
+              <a:rPr lang="en-US" sz="1700" dirty="0">
                 <a:sym typeface="Wingdings" pitchFamily="2" charset="2"/>
               </a:rPr>
-              <a:t> match the right side of some </a:t>
-            </a:r>
-            <a:r>
-              <a:rPr lang="en-US" sz="1700" dirty="0" smtClean="0">
+              <a:t> by </a:t>
+            </a:r>
+            <a:r>
+              <a:rPr lang="en-US" sz="1700" i="1" dirty="0">
                 <a:sym typeface="Wingdings" pitchFamily="2" charset="2"/>
               </a:rPr>
-              <a:t>production. Although </a:t>
-            </a:r>
-            <a:r>
-              <a:rPr lang="en-US" sz="1700" dirty="0" smtClean="0">
+              <a:t>B</a:t>
+            </a:r>
+            <a:r>
+              <a:rPr lang="en-US" sz="1700" dirty="0">
                 <a:sym typeface="Wingdings" pitchFamily="2" charset="2"/>
               </a:rPr>
-              <a:t>b is the leftmost substring that matches the right side of the some production</a:t>
-            </a:r>
-            <a:r>
-              <a:rPr lang="en-US" sz="1700" dirty="0" smtClean="0">
+              <a:t>, and then replacing the entire string by </a:t>
+            </a:r>
+            <a:r>
+              <a:rPr lang="en-US" sz="1700" i="1" dirty="0">
                 <a:sym typeface="Wingdings" pitchFamily="2" charset="2"/>
               </a:rPr>
-              <a:t>, we </a:t>
-            </a:r>
-            <a:r>
-              <a:rPr lang="en-US" sz="1700" dirty="0" smtClean="0">
+              <a:t>S</a:t>
+            </a:r>
+            <a:r>
+              <a:rPr lang="en-US" sz="1700" dirty="0">
                 <a:sym typeface="Wingdings" pitchFamily="2" charset="2"/>
               </a:rPr>
-              <a:t>choose to replace the substring </a:t>
-            </a:r>
-            <a:r>
-              <a:rPr lang="en-US" sz="1700" i="1" dirty="0" smtClean="0">
+              <a:t>. Thus, by a sequence of four reductions we are able to reduce </a:t>
+            </a:r>
+            <a:r>
+              <a:rPr lang="en-US" sz="1700" i="1" dirty="0">
                 <a:sym typeface="Wingdings" pitchFamily="2" charset="2"/>
               </a:rPr>
-              <a:t>Abc</a:t>
-            </a:r>
-            <a:r>
-              <a:rPr lang="en-US" sz="1700" dirty="0" smtClean="0">
+              <a:t>abbcde</a:t>
+            </a:r>
+            <a:r>
+              <a:rPr lang="en-US" sz="1700" dirty="0">
                 <a:sym typeface="Wingdings" pitchFamily="2" charset="2"/>
               </a:rPr>
-              <a:t> by </a:t>
-            </a:r>
-            <a:r>
-              <a:rPr lang="en-US" sz="1700" i="1" dirty="0" smtClean="0">
+              <a:t> to </a:t>
+            </a:r>
+            <a:r>
+              <a:rPr lang="en-US" sz="1700" i="1" dirty="0">
                 <a:sym typeface="Wingdings" pitchFamily="2" charset="2"/>
               </a:rPr>
-              <a:t>A</a:t>
-            </a:r>
-            <a:r>
-              <a:rPr lang="en-US" sz="1700" dirty="0" smtClean="0">
-                <a:sym typeface="Wingdings" pitchFamily="2" charset="2"/>
-              </a:rPr>
-              <a:t>, the </a:t>
-            </a:r>
-            <a:r>
-              <a:rPr lang="en-US" sz="1700" dirty="0" smtClean="0">
-                <a:sym typeface="Wingdings" pitchFamily="2" charset="2"/>
-              </a:rPr>
-              <a:t>left side of the production </a:t>
-            </a:r>
-            <a:r>
-              <a:rPr lang="en-US" sz="1700" dirty="0" err="1" smtClean="0">
-                <a:sym typeface="Wingdings" pitchFamily="2" charset="2"/>
-              </a:rPr>
-              <a:t>AAbc</a:t>
-            </a:r>
-            <a:r>
-              <a:rPr lang="en-US" sz="1700" dirty="0" smtClean="0">
-                <a:sym typeface="Wingdings" pitchFamily="2" charset="2"/>
-              </a:rPr>
-              <a:t>. We </a:t>
-            </a:r>
-            <a:r>
-              <a:rPr lang="en-US" sz="1700" dirty="0" smtClean="0">
-                <a:sym typeface="Wingdings" pitchFamily="2" charset="2"/>
-              </a:rPr>
-              <a:t>obtain </a:t>
-            </a:r>
-            <a:r>
-              <a:rPr lang="en-US" sz="1700" i="1" dirty="0" err="1" smtClean="0">
-                <a:sym typeface="Wingdings" pitchFamily="2" charset="2"/>
-              </a:rPr>
-              <a:t>aAde</a:t>
-            </a:r>
-            <a:r>
-              <a:rPr lang="en-US" sz="1700" dirty="0" smtClean="0">
-                <a:sym typeface="Wingdings" pitchFamily="2" charset="2"/>
-              </a:rPr>
-              <a:t>. Then </a:t>
-            </a:r>
-            <a:r>
-              <a:rPr lang="en-US" sz="1700" dirty="0" smtClean="0">
-                <a:sym typeface="Wingdings" pitchFamily="2" charset="2"/>
-              </a:rPr>
-              <a:t>replacing </a:t>
-            </a:r>
-            <a:r>
-              <a:rPr lang="en-US" sz="1700" i="1" dirty="0" smtClean="0">
-                <a:sym typeface="Wingdings" pitchFamily="2" charset="2"/>
-              </a:rPr>
-              <a:t>d</a:t>
-            </a:r>
-            <a:r>
-              <a:rPr lang="en-US" sz="1700" dirty="0" smtClean="0">
-                <a:sym typeface="Wingdings" pitchFamily="2" charset="2"/>
-              </a:rPr>
-              <a:t> by </a:t>
-            </a:r>
-            <a:r>
-              <a:rPr lang="en-US" sz="1700" i="1" dirty="0" smtClean="0">
-                <a:sym typeface="Wingdings" pitchFamily="2" charset="2"/>
-              </a:rPr>
-              <a:t>B</a:t>
-            </a:r>
-            <a:r>
-              <a:rPr lang="en-US" sz="1700" dirty="0" smtClean="0">
-                <a:sym typeface="Wingdings" pitchFamily="2" charset="2"/>
-              </a:rPr>
-              <a:t>, and </a:t>
-            </a:r>
-            <a:r>
-              <a:rPr lang="en-US" sz="1700" dirty="0" smtClean="0">
-                <a:sym typeface="Wingdings" pitchFamily="2" charset="2"/>
-              </a:rPr>
-              <a:t>then replacing the entire string by </a:t>
-            </a:r>
-            <a:r>
-              <a:rPr lang="en-US" sz="1700" i="1" dirty="0" smtClean="0">
-                <a:sym typeface="Wingdings" pitchFamily="2" charset="2"/>
-              </a:rPr>
-              <a:t>S</a:t>
-            </a:r>
-            <a:r>
-              <a:rPr lang="en-US" sz="1700" dirty="0" smtClean="0">
-                <a:sym typeface="Wingdings" pitchFamily="2" charset="2"/>
-              </a:rPr>
-              <a:t>. Thus, by </a:t>
-            </a:r>
-            <a:r>
-              <a:rPr lang="en-US" sz="1700" dirty="0" smtClean="0">
-                <a:sym typeface="Wingdings" pitchFamily="2" charset="2"/>
-              </a:rPr>
-              <a:t>a sequence of four reductions we are able to reduce </a:t>
-            </a:r>
-            <a:r>
-              <a:rPr lang="en-US" sz="1700" i="1" dirty="0" smtClean="0">
-                <a:sym typeface="Wingdings" pitchFamily="2" charset="2"/>
-              </a:rPr>
-              <a:t>abbcde</a:t>
-            </a:r>
-            <a:r>
-              <a:rPr lang="en-US" sz="1700" dirty="0" smtClean="0">
-                <a:sym typeface="Wingdings" pitchFamily="2" charset="2"/>
-              </a:rPr>
-              <a:t> to </a:t>
-            </a:r>
-            <a:r>
-              <a:rPr lang="en-US" sz="1700" i="1" dirty="0" smtClean="0">
-                <a:sym typeface="Wingdings" pitchFamily="2" charset="2"/>
-              </a:rPr>
               <a:t>S.</a:t>
             </a:r>
             <a:r>
-              <a:rPr lang="en-US" sz="1700" dirty="0" smtClean="0">
+              <a:rPr lang="en-US" sz="1700" dirty="0">
                 <a:sym typeface="Wingdings" pitchFamily="2" charset="2"/>
               </a:rPr>
               <a:t> </a:t>
@@ -9905,20 +9589,13 @@
     </p:spTree>
     <p:extLst>
       <p:ext uri="{BB962C8B-B14F-4D97-AF65-F5344CB8AC3E}">
-        <p14:creationId xmlns:p14="http://schemas.microsoft.com/office/powerpoint/2010/main" xmlns="" val="2159923908"/>
+        <p14:creationId xmlns:p14="http://schemas.microsoft.com/office/powerpoint/2010/main" val="2159923908"/>
       </p:ext>
     </p:extLst>
   </p:cSld>
   <p:clrMapOvr>
     <a:masterClrMapping/>
   </p:clrMapOvr>
-  <p:timing>
-    <p:tnLst>
-      <p:par>
-        <p:cTn id="1" dur="indefinite" restart="never" nodeType="tmRoot"/>
-      </p:par>
-    </p:tnLst>
-  </p:timing>
 </p:sld>
 </file>
 
@@ -9963,12 +9640,8 @@
           <a:p>
             <a:pPr algn="ctr"/>
             <a:r>
-              <a:rPr lang="en-US" sz="3000" dirty="0" smtClean="0"/>
-              <a:t>Shift–Reduce </a:t>
-            </a:r>
-            <a:r>
               <a:rPr lang="en-US" sz="3000" dirty="0"/>
-              <a:t>Parsing-Example</a:t>
+              <a:t>Shift–Reduce Parsing-Example</a:t>
             </a:r>
           </a:p>
         </p:txBody>
@@ -10000,16 +9673,8 @@
               <a:buChar char="o"/>
             </a:pPr>
             <a:r>
-              <a:rPr lang="en-US" sz="1800" dirty="0" smtClean="0"/>
-              <a:t>These reductions </a:t>
-            </a:r>
-            <a:r>
-              <a:rPr lang="en-US" sz="1800" dirty="0" smtClean="0"/>
-              <a:t>in-fact </a:t>
-            </a:r>
-            <a:r>
-              <a:rPr lang="en-US" sz="1800" dirty="0" smtClean="0"/>
-              <a:t>trace out the following right-most derivation in reverse</a:t>
+              <a:rPr lang="en-US" sz="1800" dirty="0"/>
+              <a:t>These reductions in-fact trace out the following right-most derivation in reverse</a:t>
             </a:r>
           </a:p>
           <a:p>
@@ -10032,13 +9697,13 @@
               <a:buNone/>
             </a:pPr>
             <a:r>
-              <a:rPr lang="en-US" sz="1800" dirty="0" smtClean="0">
+              <a:rPr lang="en-US" sz="1800" dirty="0">
                 <a:sym typeface="Symbol" pitchFamily="18" charset="2"/>
               </a:rPr>
               <a:t>		S  a</a:t>
             </a:r>
             <a:r>
-              <a:rPr lang="en-US" sz="1800" dirty="0" smtClean="0">
+              <a:rPr lang="en-US" sz="1800" dirty="0">
                 <a:solidFill>
                   <a:srgbClr val="FF0000"/>
                 </a:solidFill>
@@ -10047,25 +9712,13 @@
               <a:t>AB</a:t>
             </a:r>
             <a:r>
-              <a:rPr lang="en-US" sz="1800" dirty="0" smtClean="0">
-                <a:sym typeface="Symbol" pitchFamily="18" charset="2"/>
-              </a:rPr>
-              <a:t>e </a:t>
-            </a:r>
-            <a:r>
               <a:rPr lang="en-US" sz="1800" dirty="0">
                 <a:sym typeface="Symbol" pitchFamily="18" charset="2"/>
               </a:rPr>
-              <a:t> </a:t>
-            </a:r>
-            <a:r>
-              <a:rPr lang="en-US" sz="1800" dirty="0" smtClean="0">
-                <a:sym typeface="Symbol" pitchFamily="18" charset="2"/>
-              </a:rPr>
-              <a:t>a</a:t>
-            </a:r>
-            <a:r>
-              <a:rPr lang="en-US" sz="1800" dirty="0" smtClean="0">
+              <a:t>e  a</a:t>
+            </a:r>
+            <a:r>
+              <a:rPr lang="en-US" sz="1800" dirty="0">
                 <a:solidFill>
                   <a:srgbClr val="FF0000"/>
                 </a:solidFill>
@@ -10074,25 +9727,13 @@
               <a:t>A</a:t>
             </a:r>
             <a:r>
-              <a:rPr lang="en-US" sz="1800" dirty="0" smtClean="0">
-                <a:sym typeface="Symbol" pitchFamily="18" charset="2"/>
-              </a:rPr>
-              <a:t>de </a:t>
-            </a:r>
-            <a:r>
               <a:rPr lang="en-US" sz="1800" dirty="0">
                 <a:sym typeface="Symbol" pitchFamily="18" charset="2"/>
               </a:rPr>
-              <a:t> </a:t>
-            </a:r>
-            <a:r>
-              <a:rPr lang="en-US" sz="1800" dirty="0" smtClean="0">
-                <a:sym typeface="Symbol" pitchFamily="18" charset="2"/>
-              </a:rPr>
-              <a:t>a</a:t>
-            </a:r>
-            <a:r>
-              <a:rPr lang="en-US" sz="1800" dirty="0" smtClean="0">
+              <a:t>de  a</a:t>
+            </a:r>
+            <a:r>
+              <a:rPr lang="en-US" sz="1800" dirty="0">
                 <a:solidFill>
                   <a:srgbClr val="CC0000"/>
                 </a:solidFill>
@@ -10101,56 +9742,41 @@
               <a:t>A</a:t>
             </a:r>
             <a:r>
-              <a:rPr lang="en-US" sz="1800" dirty="0" smtClean="0">
-                <a:sym typeface="Symbol" pitchFamily="18" charset="2"/>
-              </a:rPr>
-              <a:t>bcde </a:t>
-            </a:r>
-            <a:r>
               <a:rPr lang="en-US" sz="1800" dirty="0">
                 <a:sym typeface="Symbol" pitchFamily="18" charset="2"/>
               </a:rPr>
-              <a:t> </a:t>
-            </a:r>
-            <a:r>
-              <a:rPr lang="en-US" sz="1800" dirty="0" smtClean="0">
-                <a:sym typeface="Symbol" pitchFamily="18" charset="2"/>
-              </a:rPr>
-              <a:t>abbcde </a:t>
-            </a:r>
-            <a:endParaRPr lang="en-US" sz="1800" dirty="0">
-              <a:sym typeface="Symbol" pitchFamily="18" charset="2"/>
-            </a:endParaRPr>
+              <a:t>bcde  abbcde </a:t>
+            </a:r>
           </a:p>
           <a:p>
             <a:pPr marL="109728" indent="0">
               <a:buNone/>
             </a:pPr>
-            <a:endParaRPr lang="en-US" sz="1800" dirty="0" smtClean="0"/>
+            <a:endParaRPr lang="en-US" sz="1800" dirty="0"/>
           </a:p>
           <a:p>
             <a:pPr marL="109728" indent="0">
               <a:buNone/>
             </a:pPr>
-            <a:endParaRPr lang="en-US" sz="1800" dirty="0" smtClean="0"/>
+            <a:endParaRPr lang="en-US" sz="1800" dirty="0"/>
           </a:p>
           <a:p>
             <a:pPr marL="109728" indent="0">
               <a:buNone/>
             </a:pPr>
-            <a:endParaRPr lang="en-US" sz="1800" dirty="0" smtClean="0"/>
+            <a:endParaRPr lang="en-US" sz="1800" dirty="0"/>
           </a:p>
           <a:p>
             <a:pPr marL="109728" indent="0">
               <a:buNone/>
             </a:pPr>
-            <a:endParaRPr lang="en-US" sz="1800" dirty="0" smtClean="0"/>
+            <a:endParaRPr lang="en-US" sz="1800" dirty="0"/>
           </a:p>
           <a:p>
             <a:pPr marL="109728" indent="0">
               <a:buNone/>
             </a:pPr>
-            <a:endParaRPr lang="en-US" sz="1800" dirty="0" smtClean="0"/>
+            <a:endParaRPr lang="en-US" sz="1800" dirty="0"/>
           </a:p>
           <a:p>
             <a:pPr>
@@ -10199,7 +9825,7 @@
           <a:lstStyle/>
           <a:p>
             <a:r>
-              <a:rPr lang="en-US" sz="1100" dirty="0" err="1" smtClean="0"/>
+              <a:rPr lang="en-US" sz="1100" dirty="0" err="1"/>
               <a:t>rm</a:t>
             </a:r>
             <a:endParaRPr lang="en-US" sz="1100" dirty="0"/>
@@ -10229,7 +9855,7 @@
           <a:lstStyle/>
           <a:p>
             <a:r>
-              <a:rPr lang="en-US" sz="1000" dirty="0" err="1" smtClean="0"/>
+              <a:rPr lang="en-US" sz="1000" dirty="0" err="1"/>
               <a:t>rm</a:t>
             </a:r>
             <a:endParaRPr lang="en-US" sz="1000" dirty="0"/>
@@ -10259,7 +9885,7 @@
           <a:lstStyle/>
           <a:p>
             <a:r>
-              <a:rPr lang="en-US" sz="1000" dirty="0" err="1" smtClean="0"/>
+              <a:rPr lang="en-US" sz="1000" dirty="0" err="1"/>
               <a:t>rm</a:t>
             </a:r>
             <a:endParaRPr lang="en-US" sz="1000" dirty="0"/>
@@ -10289,7 +9915,7 @@
           <a:lstStyle/>
           <a:p>
             <a:r>
-              <a:rPr lang="en-US" sz="1000" dirty="0" err="1" smtClean="0"/>
+              <a:rPr lang="en-US" sz="1000" dirty="0" err="1"/>
               <a:t>rm</a:t>
             </a:r>
             <a:endParaRPr lang="en-US" sz="1000" dirty="0"/>
@@ -10484,38 +10110,26 @@
           <a:lstStyle/>
           <a:p>
             <a:r>
-              <a:rPr lang="en-US" dirty="0" smtClean="0">
+              <a:rPr lang="en-US" dirty="0">
                 <a:solidFill>
                   <a:srgbClr val="0070C0"/>
                 </a:solidFill>
               </a:rPr>
               <a:t>Right Sentential Forms</a:t>
             </a:r>
-            <a:endParaRPr lang="en-US" dirty="0">
-              <a:solidFill>
-                <a:srgbClr val="0070C0"/>
-              </a:solidFill>
-            </a:endParaRPr>
           </a:p>
         </p:txBody>
       </p:sp>
     </p:spTree>
     <p:extLst>
       <p:ext uri="{BB962C8B-B14F-4D97-AF65-F5344CB8AC3E}">
-        <p14:creationId xmlns:p14="http://schemas.microsoft.com/office/powerpoint/2010/main" xmlns="" val="1856741869"/>
+        <p14:creationId xmlns:p14="http://schemas.microsoft.com/office/powerpoint/2010/main" val="1856741869"/>
       </p:ext>
     </p:extLst>
   </p:cSld>
   <p:clrMapOvr>
     <a:masterClrMapping/>
   </p:clrMapOvr>
-  <p:timing>
-    <p:tnLst>
-      <p:par>
-        <p:cTn id="1" dur="indefinite" restart="never" nodeType="tmRoot"/>
-      </p:par>
-    </p:tnLst>
-  </p:timing>
 </p:sld>
 </file>
 
@@ -10560,10 +10174,9 @@
           <a:p>
             <a:pPr algn="ctr"/>
             <a:r>
-              <a:rPr lang="en-US" sz="3300" dirty="0" smtClean="0"/>
+              <a:rPr lang="en-US" sz="3300" dirty="0"/>
               <a:t>Handle </a:t>
             </a:r>
-            <a:endParaRPr lang="en-US" sz="3300" dirty="0"/>
           </a:p>
         </p:txBody>
       </p:sp>
@@ -10590,7 +10203,7 @@
           <a:lstStyle/>
           <a:p>
             <a:r>
-              <a:rPr lang="en-US" sz="1000" dirty="0" err="1" smtClean="0"/>
+              <a:rPr lang="en-US" sz="1000" dirty="0" err="1"/>
               <a:t>rm</a:t>
             </a:r>
             <a:endParaRPr lang="en-US" sz="1000" dirty="0"/>
@@ -10620,7 +10233,7 @@
           <a:lstStyle/>
           <a:p>
             <a:r>
-              <a:rPr lang="en-US" sz="1000" dirty="0" err="1" smtClean="0"/>
+              <a:rPr lang="en-US" sz="1000" dirty="0" err="1"/>
               <a:t>rm</a:t>
             </a:r>
             <a:endParaRPr lang="en-US" sz="1000" dirty="0"/>
@@ -10650,10 +10263,9 @@
           <a:lstStyle/>
           <a:p>
             <a:r>
-              <a:rPr lang="en-US" sz="1200" dirty="0" smtClean="0"/>
+              <a:rPr lang="en-US" sz="1200" dirty="0"/>
               <a:t>*</a:t>
             </a:r>
-            <a:endParaRPr lang="en-US" sz="1200" dirty="0"/>
           </a:p>
         </p:txBody>
       </p:sp>
@@ -10686,15 +10298,7 @@
             </a:pPr>
             <a:r>
               <a:rPr lang="en-US" sz="1800" dirty="0"/>
-              <a:t>Informally, a “handle” of a string is a substring that matches the right side of the production</a:t>
-            </a:r>
-            <a:r>
-              <a:rPr lang="en-US" sz="1800" dirty="0" smtClean="0"/>
-              <a:t>, and </a:t>
-            </a:r>
-            <a:r>
-              <a:rPr lang="en-US" sz="1800" dirty="0"/>
-              <a:t>whose reduction to nonterminal on the left side of the production represents one step along the reverse of a rightmost derivation</a:t>
+              <a:t>Informally, a “handle” of a string is a substring that matches the right side of the production, and whose reduction to nonterminal on the left side of the production represents one step along the reverse of a rightmost derivation</a:t>
             </a:r>
           </a:p>
           <a:p>
@@ -10746,19 +10350,7 @@
               <a:rPr lang="en-US" sz="1800" dirty="0">
                 <a:sym typeface="Symbol" pitchFamily="18" charset="2"/>
               </a:rPr>
-              <a:t>  and a position of  where the string  may be found and replaced by A to produce the previous right-sentential form in  a rightmost derivation of </a:t>
-            </a:r>
-            <a:r>
-              <a:rPr lang="en-US" sz="1800" dirty="0" smtClean="0">
-                <a:sym typeface="Symbol" pitchFamily="18" charset="2"/>
-              </a:rPr>
-              <a:t></a:t>
-            </a:r>
-            <a:r>
-              <a:rPr lang="en-US" sz="1800" dirty="0" smtClean="0">
-                <a:sym typeface="Symbol" pitchFamily="18" charset="2"/>
-              </a:rPr>
-              <a:t>.</a:t>
+              <a:t>  and a position of  where the string  may be found and replaced by A to produce the previous right-sentential form in  a rightmost derivation of .</a:t>
             </a:r>
             <a:endParaRPr lang="en-US" sz="800" dirty="0">
               <a:sym typeface="Symbol" pitchFamily="18" charset="2"/>
@@ -10782,17 +10374,8 @@
               <a:rPr lang="en-US" sz="1800" dirty="0">
                 <a:sym typeface="Symbol" pitchFamily="18" charset="2"/>
               </a:rPr>
-              <a:t>S  A  </a:t>
-            </a:r>
-            <a:r>
-              <a:rPr lang="en-US" sz="1800" dirty="0" smtClean="0">
-                <a:sym typeface="Symbol" pitchFamily="18" charset="2"/>
-              </a:rPr>
-              <a:t></a:t>
-            </a:r>
-            <a:endParaRPr lang="en-US" sz="1800" dirty="0">
-              <a:sym typeface="Symbol" pitchFamily="18" charset="2"/>
-            </a:endParaRPr>
+              <a:t>S  A  </a:t>
+            </a:r>
           </a:p>
           <a:p>
             <a:pPr algn="just">
@@ -10848,17 +10431,8 @@
               <a:rPr lang="en-US" sz="1800" dirty="0">
                 <a:sym typeface="Wingdings" pitchFamily="2" charset="2"/>
               </a:rPr>
-              <a:t>ω </a:t>
-            </a:r>
-            <a:r>
-              <a:rPr lang="en-US" sz="1800" dirty="0" smtClean="0">
-                <a:sym typeface="Wingdings" pitchFamily="2" charset="2"/>
-              </a:rPr>
-              <a:t>.</a:t>
-            </a:r>
-            <a:endParaRPr lang="en-US" sz="1800" dirty="0">
-              <a:sym typeface="Wingdings" pitchFamily="2" charset="2"/>
-            </a:endParaRPr>
+              <a:t>ω .</a:t>
+            </a:r>
           </a:p>
           <a:p>
             <a:pPr algn="just">
@@ -10906,20 +10480,13 @@
     </p:spTree>
     <p:extLst>
       <p:ext uri="{BB962C8B-B14F-4D97-AF65-F5344CB8AC3E}">
-        <p14:creationId xmlns:p14="http://schemas.microsoft.com/office/powerpoint/2010/main" xmlns="" val="1507976291"/>
+        <p14:creationId xmlns:p14="http://schemas.microsoft.com/office/powerpoint/2010/main" val="1507976291"/>
       </p:ext>
     </p:extLst>
   </p:cSld>
   <p:clrMapOvr>
     <a:masterClrMapping/>
   </p:clrMapOvr>
-  <p:timing>
-    <p:tnLst>
-      <p:par>
-        <p:cTn id="1" dur="indefinite" restart="never" nodeType="tmRoot"/>
-      </p:par>
-    </p:tnLst>
-  </p:timing>
 </p:sld>
 </file>
 
@@ -10964,10 +10531,9 @@
           <a:p>
             <a:pPr algn="ctr"/>
             <a:r>
-              <a:rPr lang="en-US" sz="2600" dirty="0" smtClean="0"/>
+              <a:rPr lang="en-US" sz="2600" dirty="0"/>
               <a:t>Example</a:t>
             </a:r>
-            <a:endParaRPr lang="en-US" sz="2600" dirty="0"/>
           </a:p>
         </p:txBody>
       </p:sp>
@@ -11001,75 +10567,59 @@
               <a:buChar char="o"/>
             </a:pPr>
             <a:r>
-              <a:rPr lang="en-US" sz="1900" dirty="0" smtClean="0"/>
+              <a:rPr lang="en-US" sz="1900" dirty="0"/>
               <a:t>Here, </a:t>
             </a:r>
             <a:r>
-              <a:rPr lang="en-US" sz="1900" i="1" dirty="0" err="1" smtClean="0"/>
+              <a:rPr lang="en-US" sz="1900" i="1" dirty="0" err="1"/>
               <a:t>abbcde</a:t>
             </a:r>
             <a:r>
-              <a:rPr lang="en-US" sz="1900" dirty="0" smtClean="0"/>
-              <a:t> </a:t>
-            </a:r>
-            <a:r>
-              <a:rPr lang="en-US" sz="1900" dirty="0" smtClean="0"/>
-              <a:t>is a right sentential form whose handle is </a:t>
-            </a:r>
-            <a:r>
-              <a:rPr lang="en-US" sz="1900" i="1" dirty="0" err="1" smtClean="0"/>
+              <a:rPr lang="en-US" sz="1900" dirty="0"/>
+              <a:t> is a right sentential form whose handle is </a:t>
+            </a:r>
+            <a:r>
+              <a:rPr lang="en-US" sz="1900" i="1" dirty="0" err="1"/>
               <a:t>A</a:t>
             </a:r>
             <a:r>
-              <a:rPr lang="en-US" sz="1900" i="1" dirty="0" err="1" smtClean="0">
+              <a:rPr lang="en-US" sz="1900" i="1" dirty="0" err="1">
                 <a:sym typeface="Wingdings" pitchFamily="2" charset="2"/>
               </a:rPr>
               <a:t>b</a:t>
             </a:r>
             <a:r>
-              <a:rPr lang="en-US" sz="1900" dirty="0" smtClean="0">
+              <a:rPr lang="en-US" sz="1900" dirty="0">
                 <a:sym typeface="Wingdings" pitchFamily="2" charset="2"/>
               </a:rPr>
-              <a:t> at position </a:t>
-            </a:r>
-            <a:r>
-              <a:rPr lang="en-US" sz="1900" dirty="0" smtClean="0">
+              <a:t> at position 2. </a:t>
+            </a:r>
+            <a:r>
+              <a:rPr lang="en-US" sz="1900" dirty="0" err="1">
                 <a:sym typeface="Wingdings" pitchFamily="2" charset="2"/>
               </a:rPr>
-              <a:t>2. </a:t>
-            </a:r>
-            <a:r>
-              <a:rPr lang="en-US" sz="1900" dirty="0" err="1" smtClean="0">
+              <a:t>Likewise,</a:t>
+            </a:r>
+            <a:r>
+              <a:rPr lang="en-US" sz="1900" i="1" dirty="0" err="1">
                 <a:sym typeface="Wingdings" pitchFamily="2" charset="2"/>
               </a:rPr>
-              <a:t>Likewise,</a:t>
-            </a:r>
-            <a:r>
-              <a:rPr lang="en-US" sz="1900" i="1" dirty="0" err="1" smtClean="0">
+              <a:t>aAbcde</a:t>
+            </a:r>
+            <a:r>
+              <a:rPr lang="en-US" sz="1900" dirty="0">
                 <a:sym typeface="Wingdings" pitchFamily="2" charset="2"/>
               </a:rPr>
-              <a:t>aAbcde</a:t>
-            </a:r>
-            <a:r>
-              <a:rPr lang="en-US" sz="1900" dirty="0" smtClean="0">
+              <a:t> is a right sentential form whose handle is </a:t>
+            </a:r>
+            <a:r>
+              <a:rPr lang="en-US" sz="1900" i="1" dirty="0" err="1">
                 <a:sym typeface="Wingdings" pitchFamily="2" charset="2"/>
               </a:rPr>
-              <a:t> </a:t>
-            </a:r>
-            <a:r>
-              <a:rPr lang="en-US" sz="1900" dirty="0" smtClean="0">
-                <a:sym typeface="Wingdings" pitchFamily="2" charset="2"/>
-              </a:rPr>
-              <a:t>is a right sentential form whose handle is </a:t>
-            </a:r>
-            <a:r>
-              <a:rPr lang="en-US" sz="1900" i="1" dirty="0" err="1" smtClean="0">
-                <a:sym typeface="Wingdings" pitchFamily="2" charset="2"/>
-              </a:rPr>
               <a:t>AAbc</a:t>
             </a:r>
             <a:r>
-              <a:rPr lang="en-US" sz="1900" dirty="0" smtClean="0">
+              <a:rPr lang="en-US" sz="1900" dirty="0">
                 <a:sym typeface="Wingdings" pitchFamily="2" charset="2"/>
               </a:rPr>
               <a:t> at position 2.</a:t>
@@ -11084,55 +10634,55 @@
               <a:buChar char="o"/>
             </a:pPr>
             <a:r>
-              <a:rPr lang="en-US" sz="2000" dirty="0" smtClean="0">
+              <a:rPr lang="en-US" sz="2000" dirty="0">
                 <a:sym typeface="Wingdings" pitchFamily="2" charset="2"/>
               </a:rPr>
               <a:t>Sometimes we say “the substring </a:t>
             </a:r>
             <a:r>
-              <a:rPr lang="el-GR" sz="2000" dirty="0" smtClean="0">
+              <a:rPr lang="el-GR" sz="2000" dirty="0">
                 <a:sym typeface="Wingdings" pitchFamily="2" charset="2"/>
               </a:rPr>
               <a:t>β</a:t>
             </a:r>
             <a:r>
-              <a:rPr lang="en-US" sz="2000" dirty="0" smtClean="0">
+              <a:rPr lang="en-US" sz="2000" dirty="0">
                 <a:sym typeface="Wingdings" pitchFamily="2" charset="2"/>
               </a:rPr>
               <a:t> is a handle of </a:t>
             </a:r>
             <a:r>
-              <a:rPr lang="el-GR" sz="2000" dirty="0" smtClean="0">
+              <a:rPr lang="el-GR" sz="2000" dirty="0">
                 <a:sym typeface="Wingdings" pitchFamily="2" charset="2"/>
               </a:rPr>
               <a:t>αβω</a:t>
             </a:r>
             <a:r>
-              <a:rPr lang="en-US" sz="2000" dirty="0" smtClean="0">
+              <a:rPr lang="en-US" sz="2000" dirty="0">
                 <a:sym typeface="Wingdings" pitchFamily="2" charset="2"/>
               </a:rPr>
               <a:t>” if the position of </a:t>
             </a:r>
             <a:r>
-              <a:rPr lang="el-GR" sz="2000" dirty="0" smtClean="0">
+              <a:rPr lang="el-GR" sz="2000" dirty="0">
                 <a:sym typeface="Wingdings" pitchFamily="2" charset="2"/>
               </a:rPr>
               <a:t>β</a:t>
             </a:r>
             <a:r>
-              <a:rPr lang="en-US" sz="2000" dirty="0" smtClean="0">
+              <a:rPr lang="en-US" sz="2000" dirty="0">
                 <a:sym typeface="Wingdings" pitchFamily="2" charset="2"/>
               </a:rPr>
               <a:t> and the production A</a:t>
             </a:r>
             <a:r>
-              <a:rPr lang="el-GR" sz="2000" dirty="0" smtClean="0">
+              <a:rPr lang="el-GR" sz="2000" dirty="0">
                 <a:sym typeface="Wingdings" pitchFamily="2" charset="2"/>
               </a:rPr>
               <a:t>β</a:t>
             </a:r>
             <a:r>
-              <a:rPr lang="en-US" sz="2000" dirty="0" smtClean="0">
+              <a:rPr lang="en-US" sz="2000" dirty="0">
                 <a:sym typeface="Wingdings" pitchFamily="2" charset="2"/>
               </a:rPr>
               <a:t> we have in mind are clear.</a:t>
@@ -11149,20 +10699,13 @@
     </p:spTree>
     <p:extLst>
       <p:ext uri="{BB962C8B-B14F-4D97-AF65-F5344CB8AC3E}">
-        <p14:creationId xmlns:p14="http://schemas.microsoft.com/office/powerpoint/2010/main" xmlns="" val="1041362870"/>
+        <p14:creationId xmlns:p14="http://schemas.microsoft.com/office/powerpoint/2010/main" val="1041362870"/>
       </p:ext>
     </p:extLst>
   </p:cSld>
   <p:clrMapOvr>
     <a:masterClrMapping/>
   </p:clrMapOvr>
-  <p:timing>
-    <p:tnLst>
-      <p:par>
-        <p:cTn id="1" dur="indefinite" restart="never" nodeType="tmRoot"/>
-      </p:par>
-    </p:tnLst>
-  </p:timing>
 </p:sld>
 </file>
 
@@ -11734,6 +11277,21 @@
 </file>
 
 <file path=customXml/item1.xml><?xml version="1.0" encoding="utf-8"?>
+<p:properties xmlns:p="http://schemas.microsoft.com/office/2006/metadata/properties" xmlns:xsi="http://www.w3.org/2001/XMLSchema-instance" xmlns:pc="http://schemas.microsoft.com/office/infopath/2007/PartnerControls">
+  <documentManagement/>
+</p:properties>
+</file>
+
+<file path=customXml/item2.xml><?xml version="1.0" encoding="utf-8"?>
+<?mso-contentType ?>
+<FormTemplates xmlns="http://schemas.microsoft.com/sharepoint/v3/contenttype/forms">
+  <Display>DocumentLibraryForm</Display>
+  <Edit>DocumentLibraryForm</Edit>
+  <New>DocumentLibraryForm</New>
+</FormTemplates>
+</file>
+
+<file path=customXml/item3.xml><?xml version="1.0" encoding="utf-8"?>
 <ct:contentTypeSchema xmlns:ct="http://schemas.microsoft.com/office/2006/metadata/contentType" xmlns:ma="http://schemas.microsoft.com/office/2006/metadata/properties/metaAttributes" ct:_="" ma:_="" ma:contentTypeName="Document" ma:contentTypeID="0x010100A05A4CB31FB63740BC442F7C2B4737F5" ma:contentTypeVersion="5" ma:contentTypeDescription="Create a new document." ma:contentTypeScope="" ma:versionID="6422934c898b305a7f872759575cc442">
   <xsd:schema xmlns:xsd="http://www.w3.org/2001/XMLSchema" xmlns:xs="http://www.w3.org/2001/XMLSchema" xmlns:p="http://schemas.microsoft.com/office/2006/metadata/properties" xmlns:ns2="8506bf05-5515-44a3-848b-4d524adb9b77" targetNamespace="http://schemas.microsoft.com/office/2006/metadata/properties" ma:root="true" ma:fieldsID="59b54b90fb6e2b181d81b6e107cd318a" ns2:_="">
     <xsd:import namespace="8506bf05-5515-44a3-848b-4d524adb9b77"/>
@@ -11885,29 +11443,37 @@
 </ct:contentTypeSchema>
 </file>
 
-<file path=customXml/item2.xml><?xml version="1.0" encoding="utf-8"?>
-<?mso-contentType ?>
-<FormTemplates xmlns="http://schemas.microsoft.com/sharepoint/v3/contenttype/forms">
-  <Display>DocumentLibraryForm</Display>
-  <Edit>DocumentLibraryForm</Edit>
-  <New>DocumentLibraryForm</New>
-</FormTemplates>
-</file>
-
-<file path=customXml/item3.xml><?xml version="1.0" encoding="utf-8"?>
-<p:properties xmlns:p="http://schemas.microsoft.com/office/2006/metadata/properties" xmlns:xsi="http://www.w3.org/2001/XMLSchema-instance" xmlns:pc="http://schemas.microsoft.com/office/infopath/2007/PartnerControls">
-  <documentManagement/>
-</p:properties>
-</file>
-
 <file path=customXml/itemProps1.xml><?xml version="1.0" encoding="utf-8"?>
-<ds:datastoreItem xmlns:ds="http://schemas.openxmlformats.org/officeDocument/2006/customXml" ds:itemID="{AB20F836-EB57-4260-81FD-1F3DC86C234F}"/>
+<ds:datastoreItem xmlns:ds="http://schemas.openxmlformats.org/officeDocument/2006/customXml" ds:itemID="{50FD60CD-968F-4041-830D-B495DF0F6BDB}">
+  <ds:schemaRefs>
+    <ds:schemaRef ds:uri="http://schemas.microsoft.com/office/2006/metadata/properties"/>
+    <ds:schemaRef ds:uri="http://schemas.microsoft.com/office/infopath/2007/PartnerControls"/>
+  </ds:schemaRefs>
+</ds:datastoreItem>
 </file>
 
 <file path=customXml/itemProps2.xml><?xml version="1.0" encoding="utf-8"?>
-<ds:datastoreItem xmlns:ds="http://schemas.openxmlformats.org/officeDocument/2006/customXml" ds:itemID="{2F8E4047-A4CF-4246-BDEE-DFB462C04B2D}"/>
+<ds:datastoreItem xmlns:ds="http://schemas.openxmlformats.org/officeDocument/2006/customXml" ds:itemID="{2F8E4047-A4CF-4246-BDEE-DFB462C04B2D}">
+  <ds:schemaRefs>
+    <ds:schemaRef ds:uri="http://schemas.microsoft.com/sharepoint/v3/contenttype/forms"/>
+  </ds:schemaRefs>
+</ds:datastoreItem>
 </file>
 
 <file path=customXml/itemProps3.xml><?xml version="1.0" encoding="utf-8"?>
-<ds:datastoreItem xmlns:ds="http://schemas.openxmlformats.org/officeDocument/2006/customXml" ds:itemID="{50FD60CD-968F-4041-830D-B495DF0F6BDB}"/>
+<ds:datastoreItem xmlns:ds="http://schemas.openxmlformats.org/officeDocument/2006/customXml" ds:itemID="{AB20F836-EB57-4260-81FD-1F3DC86C234F}">
+  <ds:schemaRefs>
+    <ds:schemaRef ds:uri="http://schemas.microsoft.com/office/2006/metadata/contentType"/>
+    <ds:schemaRef ds:uri="http://schemas.microsoft.com/office/2006/metadata/properties/metaAttributes"/>
+    <ds:schemaRef ds:uri="http://www.w3.org/2001/XMLSchema"/>
+    <ds:schemaRef ds:uri="http://schemas.microsoft.com/office/2006/metadata/properties"/>
+    <ds:schemaRef ds:uri="8506bf05-5515-44a3-848b-4d524adb9b77"/>
+    <ds:schemaRef ds:uri="http://schemas.microsoft.com/office/2006/documentManagement/types"/>
+    <ds:schemaRef ds:uri="http://schemas.microsoft.com/office/infopath/2007/PartnerControls"/>
+    <ds:schemaRef ds:uri="http://schemas.openxmlformats.org/package/2006/metadata/core-properties"/>
+    <ds:schemaRef ds:uri="http://purl.org/dc/elements/1.1/"/>
+    <ds:schemaRef ds:uri="http://purl.org/dc/terms/"/>
+    <ds:schemaRef ds:uri="http://schemas.microsoft.com/internal/obd"/>
+  </ds:schemaRefs>
+</ds:datastoreItem>
 </file>